--- a/Javascript.pptx
+++ b/Javascript.pptx
@@ -5,7 +5,7 @@
     <p:sldMasterId id="2147483672" r:id="rId1"/>
   </p:sldMasterIdLst>
   <p:notesMasterIdLst>
-    <p:notesMasterId r:id="rId11"/>
+    <p:notesMasterId r:id="rId14"/>
   </p:notesMasterIdLst>
   <p:sldIdLst>
     <p:sldId id="256" r:id="rId2"/>
@@ -17,6 +17,9 @@
     <p:sldId id="262" r:id="rId8"/>
     <p:sldId id="263" r:id="rId9"/>
     <p:sldId id="264" r:id="rId10"/>
+    <p:sldId id="265" r:id="rId11"/>
+    <p:sldId id="266" r:id="rId12"/>
+    <p:sldId id="267" r:id="rId13"/>
   </p:sldIdLst>
   <p:sldSz cx="12192000" cy="6858000"/>
   <p:notesSz cx="6858000" cy="9144000"/>
@@ -205,7 +208,7 @@
           <a:p>
             <a:fld id="{F98364F9-6DB1-40C8-91B0-07CA64AEE498}" type="datetimeFigureOut">
               <a:rPr lang="en-US" smtClean="0"/>
-              <a:t>3/23/2023</a:t>
+              <a:t>3/24/2023</a:t>
             </a:fld>
             <a:endParaRPr lang="en-US"/>
           </a:p>
@@ -1279,7 +1282,7 @@
           <a:p>
             <a:fld id="{5A6846B1-3A96-482F-8289-E1AAC60871E7}" type="datetimeFigureOut">
               <a:rPr lang="en-US" smtClean="0"/>
-              <a:t>3/23/2023</a:t>
+              <a:t>3/24/2023</a:t>
             </a:fld>
             <a:endParaRPr lang="en-US"/>
           </a:p>
@@ -1530,7 +1533,7 @@
           <a:p>
             <a:fld id="{5A6846B1-3A96-482F-8289-E1AAC60871E7}" type="datetimeFigureOut">
               <a:rPr lang="en-US" smtClean="0"/>
-              <a:t>3/23/2023</a:t>
+              <a:t>3/24/2023</a:t>
             </a:fld>
             <a:endParaRPr lang="en-US"/>
           </a:p>
@@ -1844,7 +1847,7 @@
           <a:p>
             <a:fld id="{5A6846B1-3A96-482F-8289-E1AAC60871E7}" type="datetimeFigureOut">
               <a:rPr lang="en-US" smtClean="0"/>
-              <a:t>3/23/2023</a:t>
+              <a:t>3/24/2023</a:t>
             </a:fld>
             <a:endParaRPr lang="en-US"/>
           </a:p>
@@ -2185,7 +2188,7 @@
           <a:p>
             <a:fld id="{5A6846B1-3A96-482F-8289-E1AAC60871E7}" type="datetimeFigureOut">
               <a:rPr lang="en-US" smtClean="0"/>
-              <a:t>3/23/2023</a:t>
+              <a:t>3/24/2023</a:t>
             </a:fld>
             <a:endParaRPr lang="en-US"/>
           </a:p>
@@ -2499,7 +2502,7 @@
           <a:p>
             <a:fld id="{5A6846B1-3A96-482F-8289-E1AAC60871E7}" type="datetimeFigureOut">
               <a:rPr lang="en-US" smtClean="0"/>
-              <a:t>3/23/2023</a:t>
+              <a:t>3/24/2023</a:t>
             </a:fld>
             <a:endParaRPr lang="en-US"/>
           </a:p>
@@ -2892,7 +2895,7 @@
           <a:p>
             <a:fld id="{5A6846B1-3A96-482F-8289-E1AAC60871E7}" type="datetimeFigureOut">
               <a:rPr lang="en-US" smtClean="0"/>
-              <a:t>3/23/2023</a:t>
+              <a:t>3/24/2023</a:t>
             </a:fld>
             <a:endParaRPr lang="en-US"/>
           </a:p>
@@ -3062,7 +3065,7 @@
           <a:p>
             <a:fld id="{5A6846B1-3A96-482F-8289-E1AAC60871E7}" type="datetimeFigureOut">
               <a:rPr lang="en-US" smtClean="0"/>
-              <a:t>3/23/2023</a:t>
+              <a:t>3/24/2023</a:t>
             </a:fld>
             <a:endParaRPr lang="en-US"/>
           </a:p>
@@ -3242,7 +3245,7 @@
           <a:p>
             <a:fld id="{5A6846B1-3A96-482F-8289-E1AAC60871E7}" type="datetimeFigureOut">
               <a:rPr lang="en-US" smtClean="0"/>
-              <a:t>3/23/2023</a:t>
+              <a:t>3/24/2023</a:t>
             </a:fld>
             <a:endParaRPr lang="en-US"/>
           </a:p>
@@ -3418,7 +3421,7 @@
           <a:p>
             <a:fld id="{5A6846B1-3A96-482F-8289-E1AAC60871E7}" type="datetimeFigureOut">
               <a:rPr lang="en-US" smtClean="0"/>
-              <a:t>3/23/2023</a:t>
+              <a:t>3/24/2023</a:t>
             </a:fld>
             <a:endParaRPr lang="en-US"/>
           </a:p>
@@ -3665,7 +3668,7 @@
           <a:p>
             <a:fld id="{5A6846B1-3A96-482F-8289-E1AAC60871E7}" type="datetimeFigureOut">
               <a:rPr lang="en-US" smtClean="0"/>
-              <a:t>3/23/2023</a:t>
+              <a:t>3/24/2023</a:t>
             </a:fld>
             <a:endParaRPr lang="en-US"/>
           </a:p>
@@ -3897,7 +3900,7 @@
           <a:p>
             <a:fld id="{5A6846B1-3A96-482F-8289-E1AAC60871E7}" type="datetimeFigureOut">
               <a:rPr lang="en-US" smtClean="0"/>
-              <a:t>3/23/2023</a:t>
+              <a:t>3/24/2023</a:t>
             </a:fld>
             <a:endParaRPr lang="en-US"/>
           </a:p>
@@ -4271,7 +4274,7 @@
           <a:p>
             <a:fld id="{5A6846B1-3A96-482F-8289-E1AAC60871E7}" type="datetimeFigureOut">
               <a:rPr lang="en-US" smtClean="0"/>
-              <a:t>3/23/2023</a:t>
+              <a:t>3/24/2023</a:t>
             </a:fld>
             <a:endParaRPr lang="en-US"/>
           </a:p>
@@ -4394,7 +4397,7 @@
           <a:p>
             <a:fld id="{5A6846B1-3A96-482F-8289-E1AAC60871E7}" type="datetimeFigureOut">
               <a:rPr lang="en-US" smtClean="0"/>
-              <a:t>3/23/2023</a:t>
+              <a:t>3/24/2023</a:t>
             </a:fld>
             <a:endParaRPr lang="en-US"/>
           </a:p>
@@ -4489,7 +4492,7 @@
           <a:p>
             <a:fld id="{5A6846B1-3A96-482F-8289-E1AAC60871E7}" type="datetimeFigureOut">
               <a:rPr lang="en-US" smtClean="0"/>
-              <a:t>3/23/2023</a:t>
+              <a:t>3/24/2023</a:t>
             </a:fld>
             <a:endParaRPr lang="en-US"/>
           </a:p>
@@ -4744,7 +4747,7 @@
           <a:p>
             <a:fld id="{5A6846B1-3A96-482F-8289-E1AAC60871E7}" type="datetimeFigureOut">
               <a:rPr lang="en-US" smtClean="0"/>
-              <a:t>3/23/2023</a:t>
+              <a:t>3/24/2023</a:t>
             </a:fld>
             <a:endParaRPr lang="en-US"/>
           </a:p>
@@ -5007,7 +5010,7 @@
           <a:p>
             <a:fld id="{5A6846B1-3A96-482F-8289-E1AAC60871E7}" type="datetimeFigureOut">
               <a:rPr lang="en-US" smtClean="0"/>
-              <a:t>3/23/2023</a:t>
+              <a:t>3/24/2023</a:t>
             </a:fld>
             <a:endParaRPr lang="en-US"/>
           </a:p>
@@ -5750,7 +5753,7 @@
           <a:p>
             <a:fld id="{5A6846B1-3A96-482F-8289-E1AAC60871E7}" type="datetimeFigureOut">
               <a:rPr lang="en-US" smtClean="0"/>
-              <a:t>3/23/2023</a:t>
+              <a:t>3/24/2023</a:t>
             </a:fld>
             <a:endParaRPr lang="en-US"/>
           </a:p>
@@ -6325,6 +6328,1564 @@
 </p:sld>
 </file>
 
+<file path=ppt/slides/slide10.xml><?xml version="1.0" encoding="utf-8"?>
+<p:sld xmlns:a="http://schemas.openxmlformats.org/drawingml/2006/main" xmlns:r="http://schemas.openxmlformats.org/officeDocument/2006/relationships" xmlns:p="http://schemas.openxmlformats.org/presentationml/2006/main">
+  <p:cSld>
+    <p:spTree>
+      <p:nvGrpSpPr>
+        <p:cNvPr id="1" name=""/>
+        <p:cNvGrpSpPr/>
+        <p:nvPr/>
+      </p:nvGrpSpPr>
+      <p:grpSpPr>
+        <a:xfrm>
+          <a:off x="0" y="0"/>
+          <a:ext cx="0" cy="0"/>
+          <a:chOff x="0" y="0"/>
+          <a:chExt cx="0" cy="0"/>
+        </a:xfrm>
+      </p:grpSpPr>
+      <p:sp>
+        <p:nvSpPr>
+          <p:cNvPr id="2" name="Title 1"/>
+          <p:cNvSpPr>
+            <a:spLocks noGrp="1"/>
+          </p:cNvSpPr>
+          <p:nvPr>
+            <p:ph type="title"/>
+          </p:nvPr>
+        </p:nvSpPr>
+        <p:spPr/>
+        <p:txBody>
+          <a:bodyPr/>
+          <a:lstStyle/>
+          <a:p>
+            <a:r>
+              <a:rPr lang="en-US" dirty="0" smtClean="0"/>
+              <a:t>Looping code</a:t>
+            </a:r>
+            <a:br>
+              <a:rPr lang="en-US" dirty="0" smtClean="0"/>
+            </a:br>
+            <a:endParaRPr lang="en-US" dirty="0"/>
+          </a:p>
+        </p:txBody>
+      </p:sp>
+      <p:sp>
+        <p:nvSpPr>
+          <p:cNvPr id="3" name="Content Placeholder 2"/>
+          <p:cNvSpPr>
+            <a:spLocks noGrp="1"/>
+          </p:cNvSpPr>
+          <p:nvPr>
+            <p:ph idx="1"/>
+          </p:nvPr>
+        </p:nvSpPr>
+        <p:spPr>
+          <a:xfrm>
+            <a:off x="268202" y="4822507"/>
+            <a:ext cx="4707466" cy="1537653"/>
+          </a:xfrm>
+        </p:spPr>
+        <p:txBody>
+          <a:bodyPr>
+            <a:normAutofit fontScale="85000" lnSpcReduction="20000"/>
+          </a:bodyPr>
+          <a:lstStyle/>
+          <a:p>
+            <a:pPr marL="0" indent="0">
+              <a:buNone/>
+            </a:pPr>
+            <a:r>
+              <a:rPr lang="en-US" dirty="0" err="1" smtClean="0"/>
+              <a:t>Do..while</a:t>
+            </a:r>
+            <a:r>
+              <a:rPr lang="en-US" dirty="0" smtClean="0"/>
+              <a:t> loop</a:t>
+            </a:r>
+          </a:p>
+          <a:p>
+            <a:pPr marL="0" indent="0">
+              <a:buNone/>
+            </a:pPr>
+            <a:r>
+              <a:rPr lang="en-US" dirty="0"/>
+              <a:t>initializer</a:t>
+            </a:r>
+          </a:p>
+          <a:p>
+            <a:pPr marL="0" indent="0">
+              <a:buNone/>
+            </a:pPr>
+            <a:r>
+              <a:rPr lang="en-US" dirty="0" smtClean="0"/>
+              <a:t>do{</a:t>
+            </a:r>
+            <a:endParaRPr lang="en-US" dirty="0"/>
+          </a:p>
+          <a:p>
+            <a:pPr marL="0" indent="0">
+              <a:buNone/>
+            </a:pPr>
+            <a:r>
+              <a:rPr lang="en-US" dirty="0"/>
+              <a:t>//code to run</a:t>
+            </a:r>
+          </a:p>
+          <a:p>
+            <a:pPr marL="0" indent="0">
+              <a:buNone/>
+            </a:pPr>
+            <a:r>
+              <a:rPr lang="en-US" dirty="0" smtClean="0"/>
+              <a:t>} while(condition)</a:t>
+            </a:r>
+            <a:endParaRPr lang="en-US" dirty="0"/>
+          </a:p>
+          <a:p>
+            <a:pPr marL="0" indent="0">
+              <a:buNone/>
+            </a:pPr>
+            <a:endParaRPr lang="en-US" dirty="0" smtClean="0"/>
+          </a:p>
+          <a:p>
+            <a:pPr marL="0" indent="0">
+              <a:buNone/>
+            </a:pPr>
+            <a:endParaRPr lang="en-US" dirty="0" smtClean="0"/>
+          </a:p>
+          <a:p>
+            <a:endParaRPr lang="en-US" dirty="0"/>
+          </a:p>
+        </p:txBody>
+      </p:sp>
+      <p:sp>
+        <p:nvSpPr>
+          <p:cNvPr id="4" name="Content Placeholder 2"/>
+          <p:cNvSpPr txBox="1">
+            <a:spLocks/>
+          </p:cNvSpPr>
+          <p:nvPr/>
+        </p:nvSpPr>
+        <p:spPr>
+          <a:xfrm>
+            <a:off x="268202" y="3120708"/>
+            <a:ext cx="4707466" cy="1485183"/>
+          </a:xfrm>
+          <a:prstGeom prst="rect">
+            <a:avLst/>
+          </a:prstGeom>
+        </p:spPr>
+        <p:txBody>
+          <a:bodyPr vert="horz" lIns="91440" tIns="45720" rIns="91440" bIns="45720" rtlCol="0">
+            <a:normAutofit/>
+          </a:bodyPr>
+          <a:lstStyle>
+            <a:lvl1pPr marL="342900" indent="-342900" algn="l" defTabSz="457200" rtl="0" eaLnBrk="1" latinLnBrk="0" hangingPunct="1">
+              <a:spcBef>
+                <a:spcPts val="1000"/>
+              </a:spcBef>
+              <a:spcAft>
+                <a:spcPts val="0"/>
+              </a:spcAft>
+              <a:buClr>
+                <a:schemeClr val="accent1"/>
+              </a:buClr>
+              <a:buSzPct val="80000"/>
+              <a:buFont typeface="Wingdings 3" charset="2"/>
+              <a:buChar char=""/>
+              <a:defRPr sz="1800" kern="1200">
+                <a:solidFill>
+                  <a:schemeClr val="tx1">
+                    <a:lumMod val="75000"/>
+                    <a:lumOff val="25000"/>
+                  </a:schemeClr>
+                </a:solidFill>
+                <a:latin typeface="+mn-lt"/>
+                <a:ea typeface="+mn-ea"/>
+                <a:cs typeface="+mn-cs"/>
+              </a:defRPr>
+            </a:lvl1pPr>
+            <a:lvl2pPr marL="742950" indent="-285750" algn="l" defTabSz="457200" rtl="0" eaLnBrk="1" latinLnBrk="0" hangingPunct="1">
+              <a:spcBef>
+                <a:spcPts val="1000"/>
+              </a:spcBef>
+              <a:spcAft>
+                <a:spcPts val="0"/>
+              </a:spcAft>
+              <a:buClr>
+                <a:schemeClr val="accent1"/>
+              </a:buClr>
+              <a:buSzPct val="80000"/>
+              <a:buFont typeface="Wingdings 3" charset="2"/>
+              <a:buChar char=""/>
+              <a:defRPr sz="1600" kern="1200">
+                <a:solidFill>
+                  <a:schemeClr val="tx1">
+                    <a:lumMod val="75000"/>
+                    <a:lumOff val="25000"/>
+                  </a:schemeClr>
+                </a:solidFill>
+                <a:latin typeface="+mn-lt"/>
+                <a:ea typeface="+mn-ea"/>
+                <a:cs typeface="+mn-cs"/>
+              </a:defRPr>
+            </a:lvl2pPr>
+            <a:lvl3pPr marL="1143000" indent="-228600" algn="l" defTabSz="457200" rtl="0" eaLnBrk="1" latinLnBrk="0" hangingPunct="1">
+              <a:spcBef>
+                <a:spcPts val="1000"/>
+              </a:spcBef>
+              <a:spcAft>
+                <a:spcPts val="0"/>
+              </a:spcAft>
+              <a:buClr>
+                <a:schemeClr val="accent1"/>
+              </a:buClr>
+              <a:buSzPct val="80000"/>
+              <a:buFont typeface="Wingdings 3" charset="2"/>
+              <a:buChar char=""/>
+              <a:defRPr sz="1400" kern="1200">
+                <a:solidFill>
+                  <a:schemeClr val="tx1">
+                    <a:lumMod val="75000"/>
+                    <a:lumOff val="25000"/>
+                  </a:schemeClr>
+                </a:solidFill>
+                <a:latin typeface="+mn-lt"/>
+                <a:ea typeface="+mn-ea"/>
+                <a:cs typeface="+mn-cs"/>
+              </a:defRPr>
+            </a:lvl3pPr>
+            <a:lvl4pPr marL="1600200" indent="-228600" algn="l" defTabSz="457200" rtl="0" eaLnBrk="1" latinLnBrk="0" hangingPunct="1">
+              <a:spcBef>
+                <a:spcPts val="1000"/>
+              </a:spcBef>
+              <a:spcAft>
+                <a:spcPts val="0"/>
+              </a:spcAft>
+              <a:buClr>
+                <a:schemeClr val="accent1"/>
+              </a:buClr>
+              <a:buSzPct val="80000"/>
+              <a:buFont typeface="Wingdings 3" charset="2"/>
+              <a:buChar char=""/>
+              <a:defRPr sz="1200" kern="1200">
+                <a:solidFill>
+                  <a:schemeClr val="tx1">
+                    <a:lumMod val="75000"/>
+                    <a:lumOff val="25000"/>
+                  </a:schemeClr>
+                </a:solidFill>
+                <a:latin typeface="+mn-lt"/>
+                <a:ea typeface="+mn-ea"/>
+                <a:cs typeface="+mn-cs"/>
+              </a:defRPr>
+            </a:lvl4pPr>
+            <a:lvl5pPr marL="2057400" indent="-228600" algn="l" defTabSz="457200" rtl="0" eaLnBrk="1" latinLnBrk="0" hangingPunct="1">
+              <a:spcBef>
+                <a:spcPts val="1000"/>
+              </a:spcBef>
+              <a:spcAft>
+                <a:spcPts val="0"/>
+              </a:spcAft>
+              <a:buClr>
+                <a:schemeClr val="accent1"/>
+              </a:buClr>
+              <a:buSzPct val="80000"/>
+              <a:buFont typeface="Wingdings 3" charset="2"/>
+              <a:buChar char=""/>
+              <a:defRPr sz="1200" kern="1200">
+                <a:solidFill>
+                  <a:schemeClr val="tx1">
+                    <a:lumMod val="75000"/>
+                    <a:lumOff val="25000"/>
+                  </a:schemeClr>
+                </a:solidFill>
+                <a:latin typeface="+mn-lt"/>
+                <a:ea typeface="+mn-ea"/>
+                <a:cs typeface="+mn-cs"/>
+              </a:defRPr>
+            </a:lvl5pPr>
+            <a:lvl6pPr marL="2514600" indent="-228600" algn="l" defTabSz="457200" rtl="0" eaLnBrk="1" latinLnBrk="0" hangingPunct="1">
+              <a:spcBef>
+                <a:spcPts val="1000"/>
+              </a:spcBef>
+              <a:spcAft>
+                <a:spcPts val="0"/>
+              </a:spcAft>
+              <a:buClr>
+                <a:schemeClr val="accent1"/>
+              </a:buClr>
+              <a:buSzPct val="80000"/>
+              <a:buFont typeface="Wingdings 3" charset="2"/>
+              <a:buChar char=""/>
+              <a:defRPr sz="1200" kern="1200">
+                <a:solidFill>
+                  <a:schemeClr val="tx1">
+                    <a:lumMod val="75000"/>
+                    <a:lumOff val="25000"/>
+                  </a:schemeClr>
+                </a:solidFill>
+                <a:latin typeface="+mn-lt"/>
+                <a:ea typeface="+mn-ea"/>
+                <a:cs typeface="+mn-cs"/>
+              </a:defRPr>
+            </a:lvl6pPr>
+            <a:lvl7pPr marL="2971800" indent="-228600" algn="l" defTabSz="457200" rtl="0" eaLnBrk="1" latinLnBrk="0" hangingPunct="1">
+              <a:spcBef>
+                <a:spcPts val="1000"/>
+              </a:spcBef>
+              <a:spcAft>
+                <a:spcPts val="0"/>
+              </a:spcAft>
+              <a:buClr>
+                <a:schemeClr val="accent1"/>
+              </a:buClr>
+              <a:buSzPct val="80000"/>
+              <a:buFont typeface="Wingdings 3" charset="2"/>
+              <a:buChar char=""/>
+              <a:defRPr sz="1200" kern="1200">
+                <a:solidFill>
+                  <a:schemeClr val="tx1">
+                    <a:lumMod val="75000"/>
+                    <a:lumOff val="25000"/>
+                  </a:schemeClr>
+                </a:solidFill>
+                <a:latin typeface="+mn-lt"/>
+                <a:ea typeface="+mn-ea"/>
+                <a:cs typeface="+mn-cs"/>
+              </a:defRPr>
+            </a:lvl7pPr>
+            <a:lvl8pPr marL="3429000" indent="-228600" algn="l" defTabSz="457200" rtl="0" eaLnBrk="1" latinLnBrk="0" hangingPunct="1">
+              <a:spcBef>
+                <a:spcPts val="1000"/>
+              </a:spcBef>
+              <a:spcAft>
+                <a:spcPts val="0"/>
+              </a:spcAft>
+              <a:buClr>
+                <a:schemeClr val="accent1"/>
+              </a:buClr>
+              <a:buSzPct val="80000"/>
+              <a:buFont typeface="Wingdings 3" charset="2"/>
+              <a:buChar char=""/>
+              <a:defRPr sz="1200" kern="1200">
+                <a:solidFill>
+                  <a:schemeClr val="tx1">
+                    <a:lumMod val="75000"/>
+                    <a:lumOff val="25000"/>
+                  </a:schemeClr>
+                </a:solidFill>
+                <a:latin typeface="+mn-lt"/>
+                <a:ea typeface="+mn-ea"/>
+                <a:cs typeface="+mn-cs"/>
+              </a:defRPr>
+            </a:lvl8pPr>
+            <a:lvl9pPr marL="3886200" indent="-228600" algn="l" defTabSz="457200" rtl="0" eaLnBrk="1" latinLnBrk="0" hangingPunct="1">
+              <a:spcBef>
+                <a:spcPts val="1000"/>
+              </a:spcBef>
+              <a:spcAft>
+                <a:spcPts val="0"/>
+              </a:spcAft>
+              <a:buClr>
+                <a:schemeClr val="accent1"/>
+              </a:buClr>
+              <a:buSzPct val="80000"/>
+              <a:buFont typeface="Wingdings 3" charset="2"/>
+              <a:buChar char=""/>
+              <a:defRPr sz="1200" kern="1200">
+                <a:solidFill>
+                  <a:schemeClr val="tx1">
+                    <a:lumMod val="75000"/>
+                    <a:lumOff val="25000"/>
+                  </a:schemeClr>
+                </a:solidFill>
+                <a:latin typeface="+mn-lt"/>
+                <a:ea typeface="+mn-ea"/>
+                <a:cs typeface="+mn-cs"/>
+              </a:defRPr>
+            </a:lvl9pPr>
+          </a:lstStyle>
+          <a:p>
+            <a:r>
+              <a:rPr lang="en-US" dirty="0" smtClean="0"/>
+              <a:t>For loop</a:t>
+            </a:r>
+          </a:p>
+          <a:p>
+            <a:pPr marL="0" indent="0">
+              <a:buFont typeface="Wingdings 3" charset="2"/>
+              <a:buNone/>
+            </a:pPr>
+            <a:r>
+              <a:rPr lang="en-US" dirty="0" smtClean="0"/>
+              <a:t>For( variable initializer; condition; final expression){</a:t>
+            </a:r>
+          </a:p>
+          <a:p>
+            <a:pPr marL="0" indent="0">
+              <a:buFont typeface="Wingdings 3" charset="2"/>
+              <a:buNone/>
+            </a:pPr>
+            <a:r>
+              <a:rPr lang="en-US" dirty="0" smtClean="0"/>
+              <a:t>//code to run}</a:t>
+            </a:r>
+          </a:p>
+          <a:p>
+            <a:endParaRPr lang="en-US" dirty="0"/>
+          </a:p>
+        </p:txBody>
+      </p:sp>
+      <p:sp>
+        <p:nvSpPr>
+          <p:cNvPr id="5" name="Content Placeholder 2"/>
+          <p:cNvSpPr txBox="1">
+            <a:spLocks/>
+          </p:cNvSpPr>
+          <p:nvPr/>
+        </p:nvSpPr>
+        <p:spPr>
+          <a:xfrm>
+            <a:off x="5371253" y="4825999"/>
+            <a:ext cx="4707466" cy="1534161"/>
+          </a:xfrm>
+          <a:prstGeom prst="rect">
+            <a:avLst/>
+          </a:prstGeom>
+        </p:spPr>
+        <p:txBody>
+          <a:bodyPr vert="horz" lIns="91440" tIns="45720" rIns="91440" bIns="45720" rtlCol="0">
+            <a:normAutofit lnSpcReduction="10000"/>
+          </a:bodyPr>
+          <a:lstStyle>
+            <a:lvl1pPr marL="342900" indent="-342900" algn="l" defTabSz="457200" rtl="0" eaLnBrk="1" latinLnBrk="0" hangingPunct="1">
+              <a:spcBef>
+                <a:spcPts val="1000"/>
+              </a:spcBef>
+              <a:spcAft>
+                <a:spcPts val="0"/>
+              </a:spcAft>
+              <a:buClr>
+                <a:schemeClr val="accent1"/>
+              </a:buClr>
+              <a:buSzPct val="80000"/>
+              <a:buFont typeface="Wingdings 3" charset="2"/>
+              <a:buChar char=""/>
+              <a:defRPr sz="1800" kern="1200">
+                <a:solidFill>
+                  <a:schemeClr val="tx1">
+                    <a:lumMod val="75000"/>
+                    <a:lumOff val="25000"/>
+                  </a:schemeClr>
+                </a:solidFill>
+                <a:latin typeface="+mn-lt"/>
+                <a:ea typeface="+mn-ea"/>
+                <a:cs typeface="+mn-cs"/>
+              </a:defRPr>
+            </a:lvl1pPr>
+            <a:lvl2pPr marL="742950" indent="-285750" algn="l" defTabSz="457200" rtl="0" eaLnBrk="1" latinLnBrk="0" hangingPunct="1">
+              <a:spcBef>
+                <a:spcPts val="1000"/>
+              </a:spcBef>
+              <a:spcAft>
+                <a:spcPts val="0"/>
+              </a:spcAft>
+              <a:buClr>
+                <a:schemeClr val="accent1"/>
+              </a:buClr>
+              <a:buSzPct val="80000"/>
+              <a:buFont typeface="Wingdings 3" charset="2"/>
+              <a:buChar char=""/>
+              <a:defRPr sz="1600" kern="1200">
+                <a:solidFill>
+                  <a:schemeClr val="tx1">
+                    <a:lumMod val="75000"/>
+                    <a:lumOff val="25000"/>
+                  </a:schemeClr>
+                </a:solidFill>
+                <a:latin typeface="+mn-lt"/>
+                <a:ea typeface="+mn-ea"/>
+                <a:cs typeface="+mn-cs"/>
+              </a:defRPr>
+            </a:lvl2pPr>
+            <a:lvl3pPr marL="1143000" indent="-228600" algn="l" defTabSz="457200" rtl="0" eaLnBrk="1" latinLnBrk="0" hangingPunct="1">
+              <a:spcBef>
+                <a:spcPts val="1000"/>
+              </a:spcBef>
+              <a:spcAft>
+                <a:spcPts val="0"/>
+              </a:spcAft>
+              <a:buClr>
+                <a:schemeClr val="accent1"/>
+              </a:buClr>
+              <a:buSzPct val="80000"/>
+              <a:buFont typeface="Wingdings 3" charset="2"/>
+              <a:buChar char=""/>
+              <a:defRPr sz="1400" kern="1200">
+                <a:solidFill>
+                  <a:schemeClr val="tx1">
+                    <a:lumMod val="75000"/>
+                    <a:lumOff val="25000"/>
+                  </a:schemeClr>
+                </a:solidFill>
+                <a:latin typeface="+mn-lt"/>
+                <a:ea typeface="+mn-ea"/>
+                <a:cs typeface="+mn-cs"/>
+              </a:defRPr>
+            </a:lvl3pPr>
+            <a:lvl4pPr marL="1600200" indent="-228600" algn="l" defTabSz="457200" rtl="0" eaLnBrk="1" latinLnBrk="0" hangingPunct="1">
+              <a:spcBef>
+                <a:spcPts val="1000"/>
+              </a:spcBef>
+              <a:spcAft>
+                <a:spcPts val="0"/>
+              </a:spcAft>
+              <a:buClr>
+                <a:schemeClr val="accent1"/>
+              </a:buClr>
+              <a:buSzPct val="80000"/>
+              <a:buFont typeface="Wingdings 3" charset="2"/>
+              <a:buChar char=""/>
+              <a:defRPr sz="1200" kern="1200">
+                <a:solidFill>
+                  <a:schemeClr val="tx1">
+                    <a:lumMod val="75000"/>
+                    <a:lumOff val="25000"/>
+                  </a:schemeClr>
+                </a:solidFill>
+                <a:latin typeface="+mn-lt"/>
+                <a:ea typeface="+mn-ea"/>
+                <a:cs typeface="+mn-cs"/>
+              </a:defRPr>
+            </a:lvl4pPr>
+            <a:lvl5pPr marL="2057400" indent="-228600" algn="l" defTabSz="457200" rtl="0" eaLnBrk="1" latinLnBrk="0" hangingPunct="1">
+              <a:spcBef>
+                <a:spcPts val="1000"/>
+              </a:spcBef>
+              <a:spcAft>
+                <a:spcPts val="0"/>
+              </a:spcAft>
+              <a:buClr>
+                <a:schemeClr val="accent1"/>
+              </a:buClr>
+              <a:buSzPct val="80000"/>
+              <a:buFont typeface="Wingdings 3" charset="2"/>
+              <a:buChar char=""/>
+              <a:defRPr sz="1200" kern="1200">
+                <a:solidFill>
+                  <a:schemeClr val="tx1">
+                    <a:lumMod val="75000"/>
+                    <a:lumOff val="25000"/>
+                  </a:schemeClr>
+                </a:solidFill>
+                <a:latin typeface="+mn-lt"/>
+                <a:ea typeface="+mn-ea"/>
+                <a:cs typeface="+mn-cs"/>
+              </a:defRPr>
+            </a:lvl5pPr>
+            <a:lvl6pPr marL="2514600" indent="-228600" algn="l" defTabSz="457200" rtl="0" eaLnBrk="1" latinLnBrk="0" hangingPunct="1">
+              <a:spcBef>
+                <a:spcPts val="1000"/>
+              </a:spcBef>
+              <a:spcAft>
+                <a:spcPts val="0"/>
+              </a:spcAft>
+              <a:buClr>
+                <a:schemeClr val="accent1"/>
+              </a:buClr>
+              <a:buSzPct val="80000"/>
+              <a:buFont typeface="Wingdings 3" charset="2"/>
+              <a:buChar char=""/>
+              <a:defRPr sz="1200" kern="1200">
+                <a:solidFill>
+                  <a:schemeClr val="tx1">
+                    <a:lumMod val="75000"/>
+                    <a:lumOff val="25000"/>
+                  </a:schemeClr>
+                </a:solidFill>
+                <a:latin typeface="+mn-lt"/>
+                <a:ea typeface="+mn-ea"/>
+                <a:cs typeface="+mn-cs"/>
+              </a:defRPr>
+            </a:lvl6pPr>
+            <a:lvl7pPr marL="2971800" indent="-228600" algn="l" defTabSz="457200" rtl="0" eaLnBrk="1" latinLnBrk="0" hangingPunct="1">
+              <a:spcBef>
+                <a:spcPts val="1000"/>
+              </a:spcBef>
+              <a:spcAft>
+                <a:spcPts val="0"/>
+              </a:spcAft>
+              <a:buClr>
+                <a:schemeClr val="accent1"/>
+              </a:buClr>
+              <a:buSzPct val="80000"/>
+              <a:buFont typeface="Wingdings 3" charset="2"/>
+              <a:buChar char=""/>
+              <a:defRPr sz="1200" kern="1200">
+                <a:solidFill>
+                  <a:schemeClr val="tx1">
+                    <a:lumMod val="75000"/>
+                    <a:lumOff val="25000"/>
+                  </a:schemeClr>
+                </a:solidFill>
+                <a:latin typeface="+mn-lt"/>
+                <a:ea typeface="+mn-ea"/>
+                <a:cs typeface="+mn-cs"/>
+              </a:defRPr>
+            </a:lvl7pPr>
+            <a:lvl8pPr marL="3429000" indent="-228600" algn="l" defTabSz="457200" rtl="0" eaLnBrk="1" latinLnBrk="0" hangingPunct="1">
+              <a:spcBef>
+                <a:spcPts val="1000"/>
+              </a:spcBef>
+              <a:spcAft>
+                <a:spcPts val="0"/>
+              </a:spcAft>
+              <a:buClr>
+                <a:schemeClr val="accent1"/>
+              </a:buClr>
+              <a:buSzPct val="80000"/>
+              <a:buFont typeface="Wingdings 3" charset="2"/>
+              <a:buChar char=""/>
+              <a:defRPr sz="1200" kern="1200">
+                <a:solidFill>
+                  <a:schemeClr val="tx1">
+                    <a:lumMod val="75000"/>
+                    <a:lumOff val="25000"/>
+                  </a:schemeClr>
+                </a:solidFill>
+                <a:latin typeface="+mn-lt"/>
+                <a:ea typeface="+mn-ea"/>
+                <a:cs typeface="+mn-cs"/>
+              </a:defRPr>
+            </a:lvl8pPr>
+            <a:lvl9pPr marL="3886200" indent="-228600" algn="l" defTabSz="457200" rtl="0" eaLnBrk="1" latinLnBrk="0" hangingPunct="1">
+              <a:spcBef>
+                <a:spcPts val="1000"/>
+              </a:spcBef>
+              <a:spcAft>
+                <a:spcPts val="0"/>
+              </a:spcAft>
+              <a:buClr>
+                <a:schemeClr val="accent1"/>
+              </a:buClr>
+              <a:buSzPct val="80000"/>
+              <a:buFont typeface="Wingdings 3" charset="2"/>
+              <a:buChar char=""/>
+              <a:defRPr sz="1200" kern="1200">
+                <a:solidFill>
+                  <a:schemeClr val="tx1">
+                    <a:lumMod val="75000"/>
+                    <a:lumOff val="25000"/>
+                  </a:schemeClr>
+                </a:solidFill>
+                <a:latin typeface="+mn-lt"/>
+                <a:ea typeface="+mn-ea"/>
+                <a:cs typeface="+mn-cs"/>
+              </a:defRPr>
+            </a:lvl9pPr>
+          </a:lstStyle>
+          <a:p>
+            <a:r>
+              <a:rPr lang="en-US" dirty="0" err="1" smtClean="0"/>
+              <a:t>For..of</a:t>
+            </a:r>
+            <a:r>
+              <a:rPr lang="en-US" dirty="0" smtClean="0"/>
+              <a:t> loop</a:t>
+            </a:r>
+          </a:p>
+          <a:p>
+            <a:pPr marL="0" indent="0">
+              <a:buNone/>
+            </a:pPr>
+            <a:r>
+              <a:rPr lang="en-US" dirty="0" smtClean="0"/>
+              <a:t>For (</a:t>
+            </a:r>
+            <a:r>
+              <a:rPr lang="en-US" dirty="0" err="1" smtClean="0"/>
+              <a:t>const</a:t>
+            </a:r>
+            <a:r>
+              <a:rPr lang="en-US" dirty="0" smtClean="0"/>
+              <a:t>  item of array) {</a:t>
+            </a:r>
+          </a:p>
+          <a:p>
+            <a:pPr marL="0" indent="0">
+              <a:buNone/>
+            </a:pPr>
+            <a:r>
+              <a:rPr lang="en-US" dirty="0" smtClean="0"/>
+              <a:t>//code to run</a:t>
+            </a:r>
+          </a:p>
+          <a:p>
+            <a:pPr marL="0" indent="0">
+              <a:buNone/>
+            </a:pPr>
+            <a:r>
+              <a:rPr lang="en-US" dirty="0"/>
+              <a:t>}</a:t>
+            </a:r>
+          </a:p>
+        </p:txBody>
+      </p:sp>
+      <p:sp>
+        <p:nvSpPr>
+          <p:cNvPr id="6" name="Content Placeholder 2"/>
+          <p:cNvSpPr txBox="1">
+            <a:spLocks/>
+          </p:cNvSpPr>
+          <p:nvPr/>
+        </p:nvSpPr>
+        <p:spPr>
+          <a:xfrm>
+            <a:off x="5686868" y="2912349"/>
+            <a:ext cx="4696652" cy="1693542"/>
+          </a:xfrm>
+          <a:prstGeom prst="rect">
+            <a:avLst/>
+          </a:prstGeom>
+        </p:spPr>
+        <p:txBody>
+          <a:bodyPr vert="horz" lIns="91440" tIns="45720" rIns="91440" bIns="45720" rtlCol="0">
+            <a:normAutofit fontScale="92500" lnSpcReduction="20000"/>
+          </a:bodyPr>
+          <a:lstStyle>
+            <a:lvl1pPr marL="342900" indent="-342900" algn="l" defTabSz="457200" rtl="0" eaLnBrk="1" latinLnBrk="0" hangingPunct="1">
+              <a:spcBef>
+                <a:spcPts val="1000"/>
+              </a:spcBef>
+              <a:spcAft>
+                <a:spcPts val="0"/>
+              </a:spcAft>
+              <a:buClr>
+                <a:schemeClr val="accent1"/>
+              </a:buClr>
+              <a:buSzPct val="80000"/>
+              <a:buFont typeface="Wingdings 3" charset="2"/>
+              <a:buChar char=""/>
+              <a:defRPr sz="1800" kern="1200">
+                <a:solidFill>
+                  <a:schemeClr val="tx1">
+                    <a:lumMod val="75000"/>
+                    <a:lumOff val="25000"/>
+                  </a:schemeClr>
+                </a:solidFill>
+                <a:latin typeface="+mn-lt"/>
+                <a:ea typeface="+mn-ea"/>
+                <a:cs typeface="+mn-cs"/>
+              </a:defRPr>
+            </a:lvl1pPr>
+            <a:lvl2pPr marL="742950" indent="-285750" algn="l" defTabSz="457200" rtl="0" eaLnBrk="1" latinLnBrk="0" hangingPunct="1">
+              <a:spcBef>
+                <a:spcPts val="1000"/>
+              </a:spcBef>
+              <a:spcAft>
+                <a:spcPts val="0"/>
+              </a:spcAft>
+              <a:buClr>
+                <a:schemeClr val="accent1"/>
+              </a:buClr>
+              <a:buSzPct val="80000"/>
+              <a:buFont typeface="Wingdings 3" charset="2"/>
+              <a:buChar char=""/>
+              <a:defRPr sz="1600" kern="1200">
+                <a:solidFill>
+                  <a:schemeClr val="tx1">
+                    <a:lumMod val="75000"/>
+                    <a:lumOff val="25000"/>
+                  </a:schemeClr>
+                </a:solidFill>
+                <a:latin typeface="+mn-lt"/>
+                <a:ea typeface="+mn-ea"/>
+                <a:cs typeface="+mn-cs"/>
+              </a:defRPr>
+            </a:lvl2pPr>
+            <a:lvl3pPr marL="1143000" indent="-228600" algn="l" defTabSz="457200" rtl="0" eaLnBrk="1" latinLnBrk="0" hangingPunct="1">
+              <a:spcBef>
+                <a:spcPts val="1000"/>
+              </a:spcBef>
+              <a:spcAft>
+                <a:spcPts val="0"/>
+              </a:spcAft>
+              <a:buClr>
+                <a:schemeClr val="accent1"/>
+              </a:buClr>
+              <a:buSzPct val="80000"/>
+              <a:buFont typeface="Wingdings 3" charset="2"/>
+              <a:buChar char=""/>
+              <a:defRPr sz="1400" kern="1200">
+                <a:solidFill>
+                  <a:schemeClr val="tx1">
+                    <a:lumMod val="75000"/>
+                    <a:lumOff val="25000"/>
+                  </a:schemeClr>
+                </a:solidFill>
+                <a:latin typeface="+mn-lt"/>
+                <a:ea typeface="+mn-ea"/>
+                <a:cs typeface="+mn-cs"/>
+              </a:defRPr>
+            </a:lvl3pPr>
+            <a:lvl4pPr marL="1600200" indent="-228600" algn="l" defTabSz="457200" rtl="0" eaLnBrk="1" latinLnBrk="0" hangingPunct="1">
+              <a:spcBef>
+                <a:spcPts val="1000"/>
+              </a:spcBef>
+              <a:spcAft>
+                <a:spcPts val="0"/>
+              </a:spcAft>
+              <a:buClr>
+                <a:schemeClr val="accent1"/>
+              </a:buClr>
+              <a:buSzPct val="80000"/>
+              <a:buFont typeface="Wingdings 3" charset="2"/>
+              <a:buChar char=""/>
+              <a:defRPr sz="1200" kern="1200">
+                <a:solidFill>
+                  <a:schemeClr val="tx1">
+                    <a:lumMod val="75000"/>
+                    <a:lumOff val="25000"/>
+                  </a:schemeClr>
+                </a:solidFill>
+                <a:latin typeface="+mn-lt"/>
+                <a:ea typeface="+mn-ea"/>
+                <a:cs typeface="+mn-cs"/>
+              </a:defRPr>
+            </a:lvl4pPr>
+            <a:lvl5pPr marL="2057400" indent="-228600" algn="l" defTabSz="457200" rtl="0" eaLnBrk="1" latinLnBrk="0" hangingPunct="1">
+              <a:spcBef>
+                <a:spcPts val="1000"/>
+              </a:spcBef>
+              <a:spcAft>
+                <a:spcPts val="0"/>
+              </a:spcAft>
+              <a:buClr>
+                <a:schemeClr val="accent1"/>
+              </a:buClr>
+              <a:buSzPct val="80000"/>
+              <a:buFont typeface="Wingdings 3" charset="2"/>
+              <a:buChar char=""/>
+              <a:defRPr sz="1200" kern="1200">
+                <a:solidFill>
+                  <a:schemeClr val="tx1">
+                    <a:lumMod val="75000"/>
+                    <a:lumOff val="25000"/>
+                  </a:schemeClr>
+                </a:solidFill>
+                <a:latin typeface="+mn-lt"/>
+                <a:ea typeface="+mn-ea"/>
+                <a:cs typeface="+mn-cs"/>
+              </a:defRPr>
+            </a:lvl5pPr>
+            <a:lvl6pPr marL="2514600" indent="-228600" algn="l" defTabSz="457200" rtl="0" eaLnBrk="1" latinLnBrk="0" hangingPunct="1">
+              <a:spcBef>
+                <a:spcPts val="1000"/>
+              </a:spcBef>
+              <a:spcAft>
+                <a:spcPts val="0"/>
+              </a:spcAft>
+              <a:buClr>
+                <a:schemeClr val="accent1"/>
+              </a:buClr>
+              <a:buSzPct val="80000"/>
+              <a:buFont typeface="Wingdings 3" charset="2"/>
+              <a:buChar char=""/>
+              <a:defRPr sz="1200" kern="1200">
+                <a:solidFill>
+                  <a:schemeClr val="tx1">
+                    <a:lumMod val="75000"/>
+                    <a:lumOff val="25000"/>
+                  </a:schemeClr>
+                </a:solidFill>
+                <a:latin typeface="+mn-lt"/>
+                <a:ea typeface="+mn-ea"/>
+                <a:cs typeface="+mn-cs"/>
+              </a:defRPr>
+            </a:lvl6pPr>
+            <a:lvl7pPr marL="2971800" indent="-228600" algn="l" defTabSz="457200" rtl="0" eaLnBrk="1" latinLnBrk="0" hangingPunct="1">
+              <a:spcBef>
+                <a:spcPts val="1000"/>
+              </a:spcBef>
+              <a:spcAft>
+                <a:spcPts val="0"/>
+              </a:spcAft>
+              <a:buClr>
+                <a:schemeClr val="accent1"/>
+              </a:buClr>
+              <a:buSzPct val="80000"/>
+              <a:buFont typeface="Wingdings 3" charset="2"/>
+              <a:buChar char=""/>
+              <a:defRPr sz="1200" kern="1200">
+                <a:solidFill>
+                  <a:schemeClr val="tx1">
+                    <a:lumMod val="75000"/>
+                    <a:lumOff val="25000"/>
+                  </a:schemeClr>
+                </a:solidFill>
+                <a:latin typeface="+mn-lt"/>
+                <a:ea typeface="+mn-ea"/>
+                <a:cs typeface="+mn-cs"/>
+              </a:defRPr>
+            </a:lvl7pPr>
+            <a:lvl8pPr marL="3429000" indent="-228600" algn="l" defTabSz="457200" rtl="0" eaLnBrk="1" latinLnBrk="0" hangingPunct="1">
+              <a:spcBef>
+                <a:spcPts val="1000"/>
+              </a:spcBef>
+              <a:spcAft>
+                <a:spcPts val="0"/>
+              </a:spcAft>
+              <a:buClr>
+                <a:schemeClr val="accent1"/>
+              </a:buClr>
+              <a:buSzPct val="80000"/>
+              <a:buFont typeface="Wingdings 3" charset="2"/>
+              <a:buChar char=""/>
+              <a:defRPr sz="1200" kern="1200">
+                <a:solidFill>
+                  <a:schemeClr val="tx1">
+                    <a:lumMod val="75000"/>
+                    <a:lumOff val="25000"/>
+                  </a:schemeClr>
+                </a:solidFill>
+                <a:latin typeface="+mn-lt"/>
+                <a:ea typeface="+mn-ea"/>
+                <a:cs typeface="+mn-cs"/>
+              </a:defRPr>
+            </a:lvl8pPr>
+            <a:lvl9pPr marL="3886200" indent="-228600" algn="l" defTabSz="457200" rtl="0" eaLnBrk="1" latinLnBrk="0" hangingPunct="1">
+              <a:spcBef>
+                <a:spcPts val="1000"/>
+              </a:spcBef>
+              <a:spcAft>
+                <a:spcPts val="0"/>
+              </a:spcAft>
+              <a:buClr>
+                <a:schemeClr val="accent1"/>
+              </a:buClr>
+              <a:buSzPct val="80000"/>
+              <a:buFont typeface="Wingdings 3" charset="2"/>
+              <a:buChar char=""/>
+              <a:defRPr sz="1200" kern="1200">
+                <a:solidFill>
+                  <a:schemeClr val="tx1">
+                    <a:lumMod val="75000"/>
+                    <a:lumOff val="25000"/>
+                  </a:schemeClr>
+                </a:solidFill>
+                <a:latin typeface="+mn-lt"/>
+                <a:ea typeface="+mn-ea"/>
+                <a:cs typeface="+mn-cs"/>
+              </a:defRPr>
+            </a:lvl9pPr>
+          </a:lstStyle>
+          <a:p>
+            <a:r>
+              <a:rPr lang="en-US" dirty="0" smtClean="0"/>
+              <a:t>While loop</a:t>
+            </a:r>
+          </a:p>
+          <a:p>
+            <a:pPr marL="0" indent="0">
+              <a:buNone/>
+            </a:pPr>
+            <a:r>
+              <a:rPr lang="en-US" dirty="0" smtClean="0"/>
+              <a:t>initializer</a:t>
+            </a:r>
+          </a:p>
+          <a:p>
+            <a:pPr marL="0" indent="0">
+              <a:buNone/>
+            </a:pPr>
+            <a:r>
+              <a:rPr lang="en-US" dirty="0" smtClean="0"/>
+              <a:t>While(condition{</a:t>
+            </a:r>
+          </a:p>
+          <a:p>
+            <a:pPr marL="0" indent="0">
+              <a:buNone/>
+            </a:pPr>
+            <a:r>
+              <a:rPr lang="en-US" dirty="0" smtClean="0"/>
+              <a:t>//code to run</a:t>
+            </a:r>
+          </a:p>
+          <a:p>
+            <a:pPr marL="0" indent="0">
+              <a:buNone/>
+            </a:pPr>
+            <a:r>
+              <a:rPr lang="en-US" dirty="0" smtClean="0"/>
+              <a:t>Final expression }</a:t>
+            </a:r>
+          </a:p>
+          <a:p>
+            <a:pPr marL="0" indent="0">
+              <a:buNone/>
+            </a:pPr>
+            <a:endParaRPr lang="en-US" dirty="0" smtClean="0"/>
+          </a:p>
+          <a:p>
+            <a:endParaRPr lang="en-US" dirty="0"/>
+          </a:p>
+        </p:txBody>
+      </p:sp>
+      <p:sp>
+        <p:nvSpPr>
+          <p:cNvPr id="7" name="Content Placeholder 2"/>
+          <p:cNvSpPr txBox="1">
+            <a:spLocks/>
+          </p:cNvSpPr>
+          <p:nvPr/>
+        </p:nvSpPr>
+        <p:spPr>
+          <a:xfrm>
+            <a:off x="1134534" y="1222533"/>
+            <a:ext cx="5672666" cy="2032001"/>
+          </a:xfrm>
+          <a:prstGeom prst="rect">
+            <a:avLst/>
+          </a:prstGeom>
+        </p:spPr>
+        <p:txBody>
+          <a:bodyPr vert="horz" lIns="91440" tIns="45720" rIns="91440" bIns="45720" rtlCol="0">
+            <a:normAutofit/>
+          </a:bodyPr>
+          <a:lstStyle>
+            <a:lvl1pPr marL="342900" indent="-342900" algn="l" defTabSz="457200" rtl="0" eaLnBrk="1" latinLnBrk="0" hangingPunct="1">
+              <a:spcBef>
+                <a:spcPts val="1000"/>
+              </a:spcBef>
+              <a:spcAft>
+                <a:spcPts val="0"/>
+              </a:spcAft>
+              <a:buClr>
+                <a:schemeClr val="accent1"/>
+              </a:buClr>
+              <a:buSzPct val="80000"/>
+              <a:buFont typeface="Wingdings 3" charset="2"/>
+              <a:buChar char=""/>
+              <a:defRPr sz="1800" kern="1200">
+                <a:solidFill>
+                  <a:schemeClr val="tx1">
+                    <a:lumMod val="75000"/>
+                    <a:lumOff val="25000"/>
+                  </a:schemeClr>
+                </a:solidFill>
+                <a:latin typeface="+mn-lt"/>
+                <a:ea typeface="+mn-ea"/>
+                <a:cs typeface="+mn-cs"/>
+              </a:defRPr>
+            </a:lvl1pPr>
+            <a:lvl2pPr marL="742950" indent="-285750" algn="l" defTabSz="457200" rtl="0" eaLnBrk="1" latinLnBrk="0" hangingPunct="1">
+              <a:spcBef>
+                <a:spcPts val="1000"/>
+              </a:spcBef>
+              <a:spcAft>
+                <a:spcPts val="0"/>
+              </a:spcAft>
+              <a:buClr>
+                <a:schemeClr val="accent1"/>
+              </a:buClr>
+              <a:buSzPct val="80000"/>
+              <a:buFont typeface="Wingdings 3" charset="2"/>
+              <a:buChar char=""/>
+              <a:defRPr sz="1600" kern="1200">
+                <a:solidFill>
+                  <a:schemeClr val="tx1">
+                    <a:lumMod val="75000"/>
+                    <a:lumOff val="25000"/>
+                  </a:schemeClr>
+                </a:solidFill>
+                <a:latin typeface="+mn-lt"/>
+                <a:ea typeface="+mn-ea"/>
+                <a:cs typeface="+mn-cs"/>
+              </a:defRPr>
+            </a:lvl2pPr>
+            <a:lvl3pPr marL="1143000" indent="-228600" algn="l" defTabSz="457200" rtl="0" eaLnBrk="1" latinLnBrk="0" hangingPunct="1">
+              <a:spcBef>
+                <a:spcPts val="1000"/>
+              </a:spcBef>
+              <a:spcAft>
+                <a:spcPts val="0"/>
+              </a:spcAft>
+              <a:buClr>
+                <a:schemeClr val="accent1"/>
+              </a:buClr>
+              <a:buSzPct val="80000"/>
+              <a:buFont typeface="Wingdings 3" charset="2"/>
+              <a:buChar char=""/>
+              <a:defRPr sz="1400" kern="1200">
+                <a:solidFill>
+                  <a:schemeClr val="tx1">
+                    <a:lumMod val="75000"/>
+                    <a:lumOff val="25000"/>
+                  </a:schemeClr>
+                </a:solidFill>
+                <a:latin typeface="+mn-lt"/>
+                <a:ea typeface="+mn-ea"/>
+                <a:cs typeface="+mn-cs"/>
+              </a:defRPr>
+            </a:lvl3pPr>
+            <a:lvl4pPr marL="1600200" indent="-228600" algn="l" defTabSz="457200" rtl="0" eaLnBrk="1" latinLnBrk="0" hangingPunct="1">
+              <a:spcBef>
+                <a:spcPts val="1000"/>
+              </a:spcBef>
+              <a:spcAft>
+                <a:spcPts val="0"/>
+              </a:spcAft>
+              <a:buClr>
+                <a:schemeClr val="accent1"/>
+              </a:buClr>
+              <a:buSzPct val="80000"/>
+              <a:buFont typeface="Wingdings 3" charset="2"/>
+              <a:buChar char=""/>
+              <a:defRPr sz="1200" kern="1200">
+                <a:solidFill>
+                  <a:schemeClr val="tx1">
+                    <a:lumMod val="75000"/>
+                    <a:lumOff val="25000"/>
+                  </a:schemeClr>
+                </a:solidFill>
+                <a:latin typeface="+mn-lt"/>
+                <a:ea typeface="+mn-ea"/>
+                <a:cs typeface="+mn-cs"/>
+              </a:defRPr>
+            </a:lvl4pPr>
+            <a:lvl5pPr marL="2057400" indent="-228600" algn="l" defTabSz="457200" rtl="0" eaLnBrk="1" latinLnBrk="0" hangingPunct="1">
+              <a:spcBef>
+                <a:spcPts val="1000"/>
+              </a:spcBef>
+              <a:spcAft>
+                <a:spcPts val="0"/>
+              </a:spcAft>
+              <a:buClr>
+                <a:schemeClr val="accent1"/>
+              </a:buClr>
+              <a:buSzPct val="80000"/>
+              <a:buFont typeface="Wingdings 3" charset="2"/>
+              <a:buChar char=""/>
+              <a:defRPr sz="1200" kern="1200">
+                <a:solidFill>
+                  <a:schemeClr val="tx1">
+                    <a:lumMod val="75000"/>
+                    <a:lumOff val="25000"/>
+                  </a:schemeClr>
+                </a:solidFill>
+                <a:latin typeface="+mn-lt"/>
+                <a:ea typeface="+mn-ea"/>
+                <a:cs typeface="+mn-cs"/>
+              </a:defRPr>
+            </a:lvl5pPr>
+            <a:lvl6pPr marL="2514600" indent="-228600" algn="l" defTabSz="457200" rtl="0" eaLnBrk="1" latinLnBrk="0" hangingPunct="1">
+              <a:spcBef>
+                <a:spcPts val="1000"/>
+              </a:spcBef>
+              <a:spcAft>
+                <a:spcPts val="0"/>
+              </a:spcAft>
+              <a:buClr>
+                <a:schemeClr val="accent1"/>
+              </a:buClr>
+              <a:buSzPct val="80000"/>
+              <a:buFont typeface="Wingdings 3" charset="2"/>
+              <a:buChar char=""/>
+              <a:defRPr sz="1200" kern="1200">
+                <a:solidFill>
+                  <a:schemeClr val="tx1">
+                    <a:lumMod val="75000"/>
+                    <a:lumOff val="25000"/>
+                  </a:schemeClr>
+                </a:solidFill>
+                <a:latin typeface="+mn-lt"/>
+                <a:ea typeface="+mn-ea"/>
+                <a:cs typeface="+mn-cs"/>
+              </a:defRPr>
+            </a:lvl6pPr>
+            <a:lvl7pPr marL="2971800" indent="-228600" algn="l" defTabSz="457200" rtl="0" eaLnBrk="1" latinLnBrk="0" hangingPunct="1">
+              <a:spcBef>
+                <a:spcPts val="1000"/>
+              </a:spcBef>
+              <a:spcAft>
+                <a:spcPts val="0"/>
+              </a:spcAft>
+              <a:buClr>
+                <a:schemeClr val="accent1"/>
+              </a:buClr>
+              <a:buSzPct val="80000"/>
+              <a:buFont typeface="Wingdings 3" charset="2"/>
+              <a:buChar char=""/>
+              <a:defRPr sz="1200" kern="1200">
+                <a:solidFill>
+                  <a:schemeClr val="tx1">
+                    <a:lumMod val="75000"/>
+                    <a:lumOff val="25000"/>
+                  </a:schemeClr>
+                </a:solidFill>
+                <a:latin typeface="+mn-lt"/>
+                <a:ea typeface="+mn-ea"/>
+                <a:cs typeface="+mn-cs"/>
+              </a:defRPr>
+            </a:lvl7pPr>
+            <a:lvl8pPr marL="3429000" indent="-228600" algn="l" defTabSz="457200" rtl="0" eaLnBrk="1" latinLnBrk="0" hangingPunct="1">
+              <a:spcBef>
+                <a:spcPts val="1000"/>
+              </a:spcBef>
+              <a:spcAft>
+                <a:spcPts val="0"/>
+              </a:spcAft>
+              <a:buClr>
+                <a:schemeClr val="accent1"/>
+              </a:buClr>
+              <a:buSzPct val="80000"/>
+              <a:buFont typeface="Wingdings 3" charset="2"/>
+              <a:buChar char=""/>
+              <a:defRPr sz="1200" kern="1200">
+                <a:solidFill>
+                  <a:schemeClr val="tx1">
+                    <a:lumMod val="75000"/>
+                    <a:lumOff val="25000"/>
+                  </a:schemeClr>
+                </a:solidFill>
+                <a:latin typeface="+mn-lt"/>
+                <a:ea typeface="+mn-ea"/>
+                <a:cs typeface="+mn-cs"/>
+              </a:defRPr>
+            </a:lvl8pPr>
+            <a:lvl9pPr marL="3886200" indent="-228600" algn="l" defTabSz="457200" rtl="0" eaLnBrk="1" latinLnBrk="0" hangingPunct="1">
+              <a:spcBef>
+                <a:spcPts val="1000"/>
+              </a:spcBef>
+              <a:spcAft>
+                <a:spcPts val="0"/>
+              </a:spcAft>
+              <a:buClr>
+                <a:schemeClr val="accent1"/>
+              </a:buClr>
+              <a:buSzPct val="80000"/>
+              <a:buFont typeface="Wingdings 3" charset="2"/>
+              <a:buChar char=""/>
+              <a:defRPr sz="1200" kern="1200">
+                <a:solidFill>
+                  <a:schemeClr val="tx1">
+                    <a:lumMod val="75000"/>
+                    <a:lumOff val="25000"/>
+                  </a:schemeClr>
+                </a:solidFill>
+                <a:latin typeface="+mn-lt"/>
+                <a:ea typeface="+mn-ea"/>
+                <a:cs typeface="+mn-cs"/>
+              </a:defRPr>
+            </a:lvl9pPr>
+          </a:lstStyle>
+          <a:p>
+            <a:r>
+              <a:rPr lang="en-US" dirty="0" smtClean="0"/>
+              <a:t>Initializer runs before starting the loop</a:t>
+            </a:r>
+          </a:p>
+          <a:p>
+            <a:r>
+              <a:rPr lang="en-US" dirty="0" smtClean="0"/>
+              <a:t>Condition checks to see if the loop should stop</a:t>
+            </a:r>
+          </a:p>
+          <a:p>
+            <a:r>
+              <a:rPr lang="en-US" dirty="0" smtClean="0"/>
+              <a:t>Third is final expression which is run  each time the loop has gone through</a:t>
+            </a:r>
+            <a:endParaRPr lang="en-US" dirty="0"/>
+          </a:p>
+        </p:txBody>
+      </p:sp>
+    </p:spTree>
+    <p:extLst>
+      <p:ext uri="{BB962C8B-B14F-4D97-AF65-F5344CB8AC3E}">
+        <p14:creationId xmlns:p14="http://schemas.microsoft.com/office/powerpoint/2010/main" val="713696879"/>
+      </p:ext>
+    </p:extLst>
+  </p:cSld>
+  <p:clrMapOvr>
+    <a:masterClrMapping/>
+  </p:clrMapOvr>
+</p:sld>
+</file>
+
+<file path=ppt/slides/slide11.xml><?xml version="1.0" encoding="utf-8"?>
+<p:sld xmlns:a="http://schemas.openxmlformats.org/drawingml/2006/main" xmlns:r="http://schemas.openxmlformats.org/officeDocument/2006/relationships" xmlns:p="http://schemas.openxmlformats.org/presentationml/2006/main">
+  <p:cSld>
+    <p:spTree>
+      <p:nvGrpSpPr>
+        <p:cNvPr id="1" name=""/>
+        <p:cNvGrpSpPr/>
+        <p:nvPr/>
+      </p:nvGrpSpPr>
+      <p:grpSpPr>
+        <a:xfrm>
+          <a:off x="0" y="0"/>
+          <a:ext cx="0" cy="0"/>
+          <a:chOff x="0" y="0"/>
+          <a:chExt cx="0" cy="0"/>
+        </a:xfrm>
+      </p:grpSpPr>
+      <p:sp>
+        <p:nvSpPr>
+          <p:cNvPr id="2" name="Title 1"/>
+          <p:cNvSpPr>
+            <a:spLocks noGrp="1"/>
+          </p:cNvSpPr>
+          <p:nvPr>
+            <p:ph type="title"/>
+          </p:nvPr>
+        </p:nvSpPr>
+        <p:spPr/>
+        <p:txBody>
+          <a:bodyPr/>
+          <a:lstStyle/>
+          <a:p>
+            <a:r>
+              <a:rPr lang="en-US" dirty="0" smtClean="0"/>
+              <a:t>functions</a:t>
+            </a:r>
+            <a:endParaRPr lang="en-US" dirty="0"/>
+          </a:p>
+        </p:txBody>
+      </p:sp>
+      <p:sp>
+        <p:nvSpPr>
+          <p:cNvPr id="3" name="Content Placeholder 2"/>
+          <p:cNvSpPr>
+            <a:spLocks noGrp="1"/>
+          </p:cNvSpPr>
+          <p:nvPr>
+            <p:ph idx="1"/>
+          </p:nvPr>
+        </p:nvSpPr>
+        <p:spPr>
+          <a:xfrm>
+            <a:off x="677334" y="2160589"/>
+            <a:ext cx="8596668" cy="4402771"/>
+          </a:xfrm>
+        </p:spPr>
+        <p:txBody>
+          <a:bodyPr>
+            <a:normAutofit fontScale="92500" lnSpcReduction="10000"/>
+          </a:bodyPr>
+          <a:lstStyle/>
+          <a:p>
+            <a:r>
+              <a:rPr lang="en-US" dirty="0" smtClean="0"/>
+              <a:t>A JavaScript function is a block of code designed to perform a particular task</a:t>
+            </a:r>
+          </a:p>
+          <a:p>
+            <a:endParaRPr lang="en-US" dirty="0"/>
+          </a:p>
+          <a:p>
+            <a:r>
+              <a:rPr lang="en-US" dirty="0" smtClean="0"/>
+              <a:t>Functions are reusable as they can be defined once and can be called with different values in different results</a:t>
+            </a:r>
+          </a:p>
+          <a:p>
+            <a:r>
+              <a:rPr lang="en-US" dirty="0" smtClean="0"/>
+              <a:t>Functions help divide a complex problem into smaller chunks and makes your program easy to understand and maintain</a:t>
+            </a:r>
+          </a:p>
+          <a:p>
+            <a:endParaRPr lang="en-US" dirty="0"/>
+          </a:p>
+          <a:p>
+            <a:pPr marL="0" indent="0">
+              <a:buNone/>
+            </a:pPr>
+            <a:r>
+              <a:rPr lang="en-US" dirty="0" smtClean="0"/>
+              <a:t>Function name ( parameter 1, parameter2, parameter3 {</a:t>
+            </a:r>
+          </a:p>
+          <a:p>
+            <a:pPr marL="0" indent="0">
+              <a:buNone/>
+            </a:pPr>
+            <a:r>
+              <a:rPr lang="en-US" dirty="0" smtClean="0"/>
+              <a:t>Code to be executed</a:t>
+            </a:r>
+          </a:p>
+          <a:p>
+            <a:pPr marL="0" indent="0">
+              <a:buNone/>
+            </a:pPr>
+            <a:r>
+              <a:rPr lang="en-US" dirty="0" smtClean="0"/>
+              <a:t>}</a:t>
+            </a:r>
+          </a:p>
+          <a:p>
+            <a:pPr marL="0" indent="0">
+              <a:buNone/>
+            </a:pPr>
+            <a:r>
+              <a:rPr lang="en-US" dirty="0" err="1" smtClean="0"/>
+              <a:t>Var</a:t>
+            </a:r>
+            <a:r>
+              <a:rPr lang="en-US" dirty="0" smtClean="0"/>
+              <a:t> </a:t>
+            </a:r>
+            <a:r>
+              <a:rPr lang="en-US" dirty="0" err="1" smtClean="0"/>
+              <a:t>functionname</a:t>
+            </a:r>
+            <a:r>
+              <a:rPr lang="en-US" dirty="0" smtClean="0"/>
+              <a:t> = ( paameter2, parameter 2, parameter3) =&gt; {</a:t>
+            </a:r>
+          </a:p>
+          <a:p>
+            <a:pPr marL="0" indent="0">
+              <a:buNone/>
+            </a:pPr>
+            <a:r>
+              <a:rPr lang="en-US" dirty="0" smtClean="0"/>
+              <a:t>Code to be run</a:t>
+            </a:r>
+          </a:p>
+          <a:p>
+            <a:pPr marL="0" indent="0">
+              <a:buNone/>
+            </a:pPr>
+            <a:r>
+              <a:rPr lang="en-US" dirty="0"/>
+              <a:t>}</a:t>
+            </a:r>
+          </a:p>
+          <a:p>
+            <a:pPr marL="0" indent="0">
+              <a:buNone/>
+            </a:pPr>
+            <a:endParaRPr lang="en-US" dirty="0"/>
+          </a:p>
+        </p:txBody>
+      </p:sp>
+    </p:spTree>
+    <p:extLst>
+      <p:ext uri="{BB962C8B-B14F-4D97-AF65-F5344CB8AC3E}">
+        <p14:creationId xmlns:p14="http://schemas.microsoft.com/office/powerpoint/2010/main" val="1340473497"/>
+      </p:ext>
+    </p:extLst>
+  </p:cSld>
+  <p:clrMapOvr>
+    <a:masterClrMapping/>
+  </p:clrMapOvr>
+</p:sld>
+</file>
+
+<file path=ppt/slides/slide12.xml><?xml version="1.0" encoding="utf-8"?>
+<p:sld xmlns:a="http://schemas.openxmlformats.org/drawingml/2006/main" xmlns:r="http://schemas.openxmlformats.org/officeDocument/2006/relationships" xmlns:p="http://schemas.openxmlformats.org/presentationml/2006/main">
+  <p:cSld>
+    <p:spTree>
+      <p:nvGrpSpPr>
+        <p:cNvPr id="1" name=""/>
+        <p:cNvGrpSpPr/>
+        <p:nvPr/>
+      </p:nvGrpSpPr>
+      <p:grpSpPr>
+        <a:xfrm>
+          <a:off x="0" y="0"/>
+          <a:ext cx="0" cy="0"/>
+          <a:chOff x="0" y="0"/>
+          <a:chExt cx="0" cy="0"/>
+        </a:xfrm>
+      </p:grpSpPr>
+      <p:sp>
+        <p:nvSpPr>
+          <p:cNvPr id="2" name="Title 1"/>
+          <p:cNvSpPr>
+            <a:spLocks noGrp="1"/>
+          </p:cNvSpPr>
+          <p:nvPr>
+            <p:ph type="title"/>
+          </p:nvPr>
+        </p:nvSpPr>
+        <p:spPr/>
+        <p:txBody>
+          <a:bodyPr/>
+          <a:lstStyle/>
+          <a:p>
+            <a:r>
+              <a:rPr lang="en-US" dirty="0" smtClean="0"/>
+              <a:t>Scope</a:t>
+            </a:r>
+            <a:endParaRPr lang="en-US" dirty="0"/>
+          </a:p>
+        </p:txBody>
+      </p:sp>
+      <p:sp>
+        <p:nvSpPr>
+          <p:cNvPr id="3" name="Content Placeholder 2"/>
+          <p:cNvSpPr>
+            <a:spLocks noGrp="1"/>
+          </p:cNvSpPr>
+          <p:nvPr>
+            <p:ph idx="1"/>
+          </p:nvPr>
+        </p:nvSpPr>
+        <p:spPr/>
+        <p:txBody>
+          <a:bodyPr/>
+          <a:lstStyle/>
+          <a:p>
+            <a:r>
+              <a:rPr lang="en-US" dirty="0" smtClean="0"/>
+              <a:t>Scope basically determined the accessibility or visibility of variables</a:t>
+            </a:r>
+          </a:p>
+          <a:p>
+            <a:endParaRPr lang="en-US" dirty="0"/>
+          </a:p>
+          <a:p>
+            <a:r>
+              <a:rPr lang="en-US" dirty="0" smtClean="0"/>
+              <a:t>Block Scope</a:t>
+            </a:r>
+          </a:p>
+          <a:p>
+            <a:r>
+              <a:rPr lang="en-US" dirty="0" smtClean="0"/>
+              <a:t>Function Scope</a:t>
+            </a:r>
+          </a:p>
+          <a:p>
+            <a:r>
+              <a:rPr lang="en-US" smtClean="0"/>
+              <a:t>Global Scope</a:t>
+            </a:r>
+            <a:endParaRPr lang="en-US"/>
+          </a:p>
+        </p:txBody>
+      </p:sp>
+    </p:spTree>
+    <p:extLst>
+      <p:ext uri="{BB962C8B-B14F-4D97-AF65-F5344CB8AC3E}">
+        <p14:creationId xmlns:p14="http://schemas.microsoft.com/office/powerpoint/2010/main" val="2576564538"/>
+      </p:ext>
+    </p:extLst>
+  </p:cSld>
+  <p:clrMapOvr>
+    <a:masterClrMapping/>
+  </p:clrMapOvr>
+</p:sld>
+</file>
+
 <file path=ppt/slides/slide2.xml><?xml version="1.0" encoding="utf-8"?>
 <p:sld xmlns:a="http://schemas.openxmlformats.org/drawingml/2006/main" xmlns:r="http://schemas.openxmlformats.org/officeDocument/2006/relationships" xmlns:p="http://schemas.openxmlformats.org/presentationml/2006/main">
   <p:cSld>
@@ -7199,13 +8760,8 @@
             </a:pPr>
             <a:r>
               <a:rPr lang="en-US" dirty="0" smtClean="0"/>
-              <a:t>Assignment </a:t>
-            </a:r>
-            <a:r>
-              <a:rPr lang="en-US" dirty="0" smtClean="0"/>
-              <a:t>Operators(assigning value to variable)</a:t>
-            </a:r>
-            <a:endParaRPr lang="en-US" dirty="0" smtClean="0"/>
+              <a:t>Assignment Operators(assigning value to variable)</a:t>
+            </a:r>
           </a:p>
           <a:p>
             <a:pPr>
@@ -7240,7 +8796,6 @@
               <a:rPr lang="en-US" dirty="0" smtClean="0"/>
               <a:t>)</a:t>
             </a:r>
-            <a:endParaRPr lang="en-US" dirty="0" smtClean="0"/>
           </a:p>
           <a:p>
             <a:pPr>
@@ -7249,13 +8804,8 @@
             </a:pPr>
             <a:r>
               <a:rPr lang="en-US" dirty="0" smtClean="0"/>
-              <a:t>Comparison </a:t>
-            </a:r>
-            <a:r>
-              <a:rPr lang="en-US" dirty="0" smtClean="0"/>
-              <a:t>Operators ( ==, ===, !=, !==, &gt;, &gt;=, &lt;, &lt;=)</a:t>
-            </a:r>
-            <a:endParaRPr lang="en-US" dirty="0" smtClean="0"/>
+              <a:t>Comparison Operators ( ==, ===, !=, !==, &gt;, &gt;=, &lt;, &lt;=)</a:t>
+            </a:r>
           </a:p>
           <a:p>
             <a:pPr>
@@ -7264,11 +8814,7 @@
             </a:pPr>
             <a:r>
               <a:rPr lang="en-US" dirty="0" smtClean="0"/>
-              <a:t>Logical </a:t>
-            </a:r>
-            <a:r>
-              <a:rPr lang="en-US" dirty="0" smtClean="0"/>
-              <a:t>Operators (</a:t>
+              <a:t>Logical Operators (</a:t>
             </a:r>
             <a:r>
               <a:rPr lang="en-US" dirty="0"/>
@@ -7286,7 +8832,6 @@
               <a:rPr lang="en-US" dirty="0" smtClean="0"/>
               <a:t>), !)</a:t>
             </a:r>
-            <a:endParaRPr lang="en-US" dirty="0" smtClean="0"/>
           </a:p>
           <a:p>
             <a:pPr>
@@ -7295,13 +8840,8 @@
             </a:pPr>
             <a:r>
               <a:rPr lang="en-US" dirty="0" smtClean="0"/>
-              <a:t>String </a:t>
-            </a:r>
-            <a:r>
-              <a:rPr lang="en-US" dirty="0" smtClean="0"/>
-              <a:t>Operators ( + )</a:t>
-            </a:r>
-            <a:endParaRPr lang="en-US" dirty="0" smtClean="0"/>
+              <a:t>String Operators ( + )</a:t>
+            </a:r>
           </a:p>
           <a:p>
             <a:pPr>
@@ -7310,15 +8850,7 @@
             </a:pPr>
             <a:r>
               <a:rPr lang="en-US" dirty="0" smtClean="0"/>
-              <a:t>Other </a:t>
-            </a:r>
-            <a:r>
-              <a:rPr lang="en-US" dirty="0" smtClean="0"/>
-              <a:t>Operators ( ? </a:t>
-            </a:r>
-            <a:r>
-              <a:rPr lang="en-US" dirty="0" smtClean="0"/>
-              <a:t>true: : false ternary operator)</a:t>
+              <a:t>Other Operators ( ? true: : false ternary operator)</a:t>
             </a:r>
             <a:endParaRPr lang="en-US" dirty="0"/>
           </a:p>
@@ -7574,9 +9106,16 @@
             <p:ph idx="1"/>
           </p:nvPr>
         </p:nvSpPr>
-        <p:spPr/>
-        <p:txBody>
-          <a:bodyPr/>
+        <p:spPr>
+          <a:xfrm>
+            <a:off x="677334" y="2160589"/>
+            <a:ext cx="2695786" cy="3880773"/>
+          </a:xfrm>
+        </p:spPr>
+        <p:txBody>
+          <a:bodyPr>
+            <a:normAutofit/>
+          </a:bodyPr>
           <a:lstStyle/>
           <a:p>
             <a:r>
@@ -7615,9 +9154,302 @@
           <a:p>
             <a:r>
               <a:rPr lang="en-US" dirty="0" smtClean="0"/>
-              <a:t>Else</a:t>
-            </a:r>
-          </a:p>
+              <a:t>Else </a:t>
+            </a:r>
+            <a:endParaRPr lang="en-US" dirty="0"/>
+          </a:p>
+          <a:p>
+            <a:pPr marL="0" indent="0">
+              <a:buNone/>
+            </a:pPr>
+            <a:r>
+              <a:rPr lang="en-US" dirty="0" smtClean="0"/>
+              <a:t>If (condition) {</a:t>
+            </a:r>
+          </a:p>
+          <a:p>
+            <a:pPr marL="0" indent="0">
+              <a:buNone/>
+            </a:pPr>
+            <a:r>
+              <a:rPr lang="en-US" dirty="0" smtClean="0"/>
+              <a:t>Result if true}</a:t>
+            </a:r>
+          </a:p>
+          <a:p>
+            <a:pPr marL="0" indent="0">
+              <a:buNone/>
+            </a:pPr>
+            <a:r>
+              <a:rPr lang="en-US" dirty="0" smtClean="0"/>
+              <a:t>Else{</a:t>
+            </a:r>
+          </a:p>
+          <a:p>
+            <a:pPr marL="0" indent="0">
+              <a:buNone/>
+            </a:pPr>
+            <a:r>
+              <a:rPr lang="en-US" dirty="0" smtClean="0"/>
+              <a:t>Results if not true}</a:t>
+            </a:r>
+          </a:p>
+          <a:p>
+            <a:pPr marL="0" indent="0">
+              <a:buNone/>
+            </a:pPr>
+            <a:endParaRPr lang="en-US" dirty="0" smtClean="0"/>
+          </a:p>
+        </p:txBody>
+      </p:sp>
+      <p:sp>
+        <p:nvSpPr>
+          <p:cNvPr id="4" name="Content Placeholder 2"/>
+          <p:cNvSpPr txBox="1">
+            <a:spLocks/>
+          </p:cNvSpPr>
+          <p:nvPr/>
+        </p:nvSpPr>
+        <p:spPr>
+          <a:xfrm>
+            <a:off x="3627775" y="1930400"/>
+            <a:ext cx="2695786" cy="3880773"/>
+          </a:xfrm>
+          <a:prstGeom prst="rect">
+            <a:avLst/>
+          </a:prstGeom>
+        </p:spPr>
+        <p:txBody>
+          <a:bodyPr vert="horz" lIns="91440" tIns="45720" rIns="91440" bIns="45720" rtlCol="0">
+            <a:normAutofit/>
+          </a:bodyPr>
+          <a:lstStyle>
+            <a:lvl1pPr marL="342900" indent="-342900" algn="l" defTabSz="457200" rtl="0" eaLnBrk="1" latinLnBrk="0" hangingPunct="1">
+              <a:spcBef>
+                <a:spcPts val="1000"/>
+              </a:spcBef>
+              <a:spcAft>
+                <a:spcPts val="0"/>
+              </a:spcAft>
+              <a:buClr>
+                <a:schemeClr val="accent1"/>
+              </a:buClr>
+              <a:buSzPct val="80000"/>
+              <a:buFont typeface="Wingdings 3" charset="2"/>
+              <a:buChar char=""/>
+              <a:defRPr sz="1800" kern="1200">
+                <a:solidFill>
+                  <a:schemeClr val="tx1">
+                    <a:lumMod val="75000"/>
+                    <a:lumOff val="25000"/>
+                  </a:schemeClr>
+                </a:solidFill>
+                <a:latin typeface="+mn-lt"/>
+                <a:ea typeface="+mn-ea"/>
+                <a:cs typeface="+mn-cs"/>
+              </a:defRPr>
+            </a:lvl1pPr>
+            <a:lvl2pPr marL="742950" indent="-285750" algn="l" defTabSz="457200" rtl="0" eaLnBrk="1" latinLnBrk="0" hangingPunct="1">
+              <a:spcBef>
+                <a:spcPts val="1000"/>
+              </a:spcBef>
+              <a:spcAft>
+                <a:spcPts val="0"/>
+              </a:spcAft>
+              <a:buClr>
+                <a:schemeClr val="accent1"/>
+              </a:buClr>
+              <a:buSzPct val="80000"/>
+              <a:buFont typeface="Wingdings 3" charset="2"/>
+              <a:buChar char=""/>
+              <a:defRPr sz="1600" kern="1200">
+                <a:solidFill>
+                  <a:schemeClr val="tx1">
+                    <a:lumMod val="75000"/>
+                    <a:lumOff val="25000"/>
+                  </a:schemeClr>
+                </a:solidFill>
+                <a:latin typeface="+mn-lt"/>
+                <a:ea typeface="+mn-ea"/>
+                <a:cs typeface="+mn-cs"/>
+              </a:defRPr>
+            </a:lvl2pPr>
+            <a:lvl3pPr marL="1143000" indent="-228600" algn="l" defTabSz="457200" rtl="0" eaLnBrk="1" latinLnBrk="0" hangingPunct="1">
+              <a:spcBef>
+                <a:spcPts val="1000"/>
+              </a:spcBef>
+              <a:spcAft>
+                <a:spcPts val="0"/>
+              </a:spcAft>
+              <a:buClr>
+                <a:schemeClr val="accent1"/>
+              </a:buClr>
+              <a:buSzPct val="80000"/>
+              <a:buFont typeface="Wingdings 3" charset="2"/>
+              <a:buChar char=""/>
+              <a:defRPr sz="1400" kern="1200">
+                <a:solidFill>
+                  <a:schemeClr val="tx1">
+                    <a:lumMod val="75000"/>
+                    <a:lumOff val="25000"/>
+                  </a:schemeClr>
+                </a:solidFill>
+                <a:latin typeface="+mn-lt"/>
+                <a:ea typeface="+mn-ea"/>
+                <a:cs typeface="+mn-cs"/>
+              </a:defRPr>
+            </a:lvl3pPr>
+            <a:lvl4pPr marL="1600200" indent="-228600" algn="l" defTabSz="457200" rtl="0" eaLnBrk="1" latinLnBrk="0" hangingPunct="1">
+              <a:spcBef>
+                <a:spcPts val="1000"/>
+              </a:spcBef>
+              <a:spcAft>
+                <a:spcPts val="0"/>
+              </a:spcAft>
+              <a:buClr>
+                <a:schemeClr val="accent1"/>
+              </a:buClr>
+              <a:buSzPct val="80000"/>
+              <a:buFont typeface="Wingdings 3" charset="2"/>
+              <a:buChar char=""/>
+              <a:defRPr sz="1200" kern="1200">
+                <a:solidFill>
+                  <a:schemeClr val="tx1">
+                    <a:lumMod val="75000"/>
+                    <a:lumOff val="25000"/>
+                  </a:schemeClr>
+                </a:solidFill>
+                <a:latin typeface="+mn-lt"/>
+                <a:ea typeface="+mn-ea"/>
+                <a:cs typeface="+mn-cs"/>
+              </a:defRPr>
+            </a:lvl4pPr>
+            <a:lvl5pPr marL="2057400" indent="-228600" algn="l" defTabSz="457200" rtl="0" eaLnBrk="1" latinLnBrk="0" hangingPunct="1">
+              <a:spcBef>
+                <a:spcPts val="1000"/>
+              </a:spcBef>
+              <a:spcAft>
+                <a:spcPts val="0"/>
+              </a:spcAft>
+              <a:buClr>
+                <a:schemeClr val="accent1"/>
+              </a:buClr>
+              <a:buSzPct val="80000"/>
+              <a:buFont typeface="Wingdings 3" charset="2"/>
+              <a:buChar char=""/>
+              <a:defRPr sz="1200" kern="1200">
+                <a:solidFill>
+                  <a:schemeClr val="tx1">
+                    <a:lumMod val="75000"/>
+                    <a:lumOff val="25000"/>
+                  </a:schemeClr>
+                </a:solidFill>
+                <a:latin typeface="+mn-lt"/>
+                <a:ea typeface="+mn-ea"/>
+                <a:cs typeface="+mn-cs"/>
+              </a:defRPr>
+            </a:lvl5pPr>
+            <a:lvl6pPr marL="2514600" indent="-228600" algn="l" defTabSz="457200" rtl="0" eaLnBrk="1" latinLnBrk="0" hangingPunct="1">
+              <a:spcBef>
+                <a:spcPts val="1000"/>
+              </a:spcBef>
+              <a:spcAft>
+                <a:spcPts val="0"/>
+              </a:spcAft>
+              <a:buClr>
+                <a:schemeClr val="accent1"/>
+              </a:buClr>
+              <a:buSzPct val="80000"/>
+              <a:buFont typeface="Wingdings 3" charset="2"/>
+              <a:buChar char=""/>
+              <a:defRPr sz="1200" kern="1200">
+                <a:solidFill>
+                  <a:schemeClr val="tx1">
+                    <a:lumMod val="75000"/>
+                    <a:lumOff val="25000"/>
+                  </a:schemeClr>
+                </a:solidFill>
+                <a:latin typeface="+mn-lt"/>
+                <a:ea typeface="+mn-ea"/>
+                <a:cs typeface="+mn-cs"/>
+              </a:defRPr>
+            </a:lvl6pPr>
+            <a:lvl7pPr marL="2971800" indent="-228600" algn="l" defTabSz="457200" rtl="0" eaLnBrk="1" latinLnBrk="0" hangingPunct="1">
+              <a:spcBef>
+                <a:spcPts val="1000"/>
+              </a:spcBef>
+              <a:spcAft>
+                <a:spcPts val="0"/>
+              </a:spcAft>
+              <a:buClr>
+                <a:schemeClr val="accent1"/>
+              </a:buClr>
+              <a:buSzPct val="80000"/>
+              <a:buFont typeface="Wingdings 3" charset="2"/>
+              <a:buChar char=""/>
+              <a:defRPr sz="1200" kern="1200">
+                <a:solidFill>
+                  <a:schemeClr val="tx1">
+                    <a:lumMod val="75000"/>
+                    <a:lumOff val="25000"/>
+                  </a:schemeClr>
+                </a:solidFill>
+                <a:latin typeface="+mn-lt"/>
+                <a:ea typeface="+mn-ea"/>
+                <a:cs typeface="+mn-cs"/>
+              </a:defRPr>
+            </a:lvl7pPr>
+            <a:lvl8pPr marL="3429000" indent="-228600" algn="l" defTabSz="457200" rtl="0" eaLnBrk="1" latinLnBrk="0" hangingPunct="1">
+              <a:spcBef>
+                <a:spcPts val="1000"/>
+              </a:spcBef>
+              <a:spcAft>
+                <a:spcPts val="0"/>
+              </a:spcAft>
+              <a:buClr>
+                <a:schemeClr val="accent1"/>
+              </a:buClr>
+              <a:buSzPct val="80000"/>
+              <a:buFont typeface="Wingdings 3" charset="2"/>
+              <a:buChar char=""/>
+              <a:defRPr sz="1200" kern="1200">
+                <a:solidFill>
+                  <a:schemeClr val="tx1">
+                    <a:lumMod val="75000"/>
+                    <a:lumOff val="25000"/>
+                  </a:schemeClr>
+                </a:solidFill>
+                <a:latin typeface="+mn-lt"/>
+                <a:ea typeface="+mn-ea"/>
+                <a:cs typeface="+mn-cs"/>
+              </a:defRPr>
+            </a:lvl8pPr>
+            <a:lvl9pPr marL="3886200" indent="-228600" algn="l" defTabSz="457200" rtl="0" eaLnBrk="1" latinLnBrk="0" hangingPunct="1">
+              <a:spcBef>
+                <a:spcPts val="1000"/>
+              </a:spcBef>
+              <a:spcAft>
+                <a:spcPts val="0"/>
+              </a:spcAft>
+              <a:buClr>
+                <a:schemeClr val="accent1"/>
+              </a:buClr>
+              <a:buSzPct val="80000"/>
+              <a:buFont typeface="Wingdings 3" charset="2"/>
+              <a:buChar char=""/>
+              <a:defRPr sz="1200" kern="1200">
+                <a:solidFill>
+                  <a:schemeClr val="tx1">
+                    <a:lumMod val="75000"/>
+                    <a:lumOff val="25000"/>
+                  </a:schemeClr>
+                </a:solidFill>
+                <a:latin typeface="+mn-lt"/>
+                <a:ea typeface="+mn-ea"/>
+                <a:cs typeface="+mn-cs"/>
+              </a:defRPr>
+            </a:lvl9pPr>
+          </a:lstStyle>
           <a:p>
             <a:r>
               <a:rPr lang="en-US" dirty="0" smtClean="0"/>
@@ -7625,11 +9457,406 @@
             </a:r>
           </a:p>
           <a:p>
+            <a:pPr marL="0" indent="0">
+              <a:buNone/>
+            </a:pPr>
             <a:r>
               <a:rPr lang="en-US" dirty="0" smtClean="0"/>
-              <a:t>switch</a:t>
+              <a:t>If ( condition) {</a:t>
+            </a:r>
+          </a:p>
+          <a:p>
+            <a:pPr marL="0" indent="0">
+              <a:buNone/>
+            </a:pPr>
+            <a:r>
+              <a:rPr lang="en-US" dirty="0" smtClean="0"/>
+              <a:t>Results  if matched {</a:t>
+            </a:r>
+          </a:p>
+          <a:p>
+            <a:pPr marL="0" indent="0">
+              <a:buNone/>
+            </a:pPr>
+            <a:r>
+              <a:rPr lang="en-US" dirty="0" smtClean="0"/>
+              <a:t>Else if(new condition) { result1 if matched}</a:t>
             </a:r>
             <a:endParaRPr lang="en-US" dirty="0"/>
+          </a:p>
+          <a:p>
+            <a:pPr marL="0" indent="0">
+              <a:buNone/>
+            </a:pPr>
+            <a:r>
+              <a:rPr lang="en-US" dirty="0" smtClean="0"/>
+              <a:t>Else{</a:t>
+            </a:r>
+          </a:p>
+          <a:p>
+            <a:pPr marL="0" indent="0">
+              <a:buNone/>
+            </a:pPr>
+            <a:r>
+              <a:rPr lang="en-US" dirty="0" smtClean="0"/>
+              <a:t>Last result</a:t>
+            </a:r>
+          </a:p>
+          <a:p>
+            <a:pPr marL="0" indent="0">
+              <a:buNone/>
+            </a:pPr>
+            <a:r>
+              <a:rPr lang="en-US" dirty="0" smtClean="0"/>
+              <a:t>}</a:t>
+            </a:r>
+          </a:p>
+        </p:txBody>
+      </p:sp>
+      <p:sp>
+        <p:nvSpPr>
+          <p:cNvPr id="5" name="Content Placeholder 2"/>
+          <p:cNvSpPr txBox="1">
+            <a:spLocks/>
+          </p:cNvSpPr>
+          <p:nvPr/>
+        </p:nvSpPr>
+        <p:spPr>
+          <a:xfrm>
+            <a:off x="6450888" y="1930399"/>
+            <a:ext cx="3077769" cy="3880773"/>
+          </a:xfrm>
+          <a:prstGeom prst="rect">
+            <a:avLst/>
+          </a:prstGeom>
+        </p:spPr>
+        <p:txBody>
+          <a:bodyPr vert="horz" lIns="91440" tIns="45720" rIns="91440" bIns="45720" rtlCol="0">
+            <a:normAutofit fontScale="92500" lnSpcReduction="20000"/>
+          </a:bodyPr>
+          <a:lstStyle>
+            <a:lvl1pPr marL="342900" indent="-342900" algn="l" defTabSz="457200" rtl="0" eaLnBrk="1" latinLnBrk="0" hangingPunct="1">
+              <a:spcBef>
+                <a:spcPts val="1000"/>
+              </a:spcBef>
+              <a:spcAft>
+                <a:spcPts val="0"/>
+              </a:spcAft>
+              <a:buClr>
+                <a:schemeClr val="accent1"/>
+              </a:buClr>
+              <a:buSzPct val="80000"/>
+              <a:buFont typeface="Wingdings 3" charset="2"/>
+              <a:buChar char=""/>
+              <a:defRPr sz="1800" kern="1200">
+                <a:solidFill>
+                  <a:schemeClr val="tx1">
+                    <a:lumMod val="75000"/>
+                    <a:lumOff val="25000"/>
+                  </a:schemeClr>
+                </a:solidFill>
+                <a:latin typeface="+mn-lt"/>
+                <a:ea typeface="+mn-ea"/>
+                <a:cs typeface="+mn-cs"/>
+              </a:defRPr>
+            </a:lvl1pPr>
+            <a:lvl2pPr marL="742950" indent="-285750" algn="l" defTabSz="457200" rtl="0" eaLnBrk="1" latinLnBrk="0" hangingPunct="1">
+              <a:spcBef>
+                <a:spcPts val="1000"/>
+              </a:spcBef>
+              <a:spcAft>
+                <a:spcPts val="0"/>
+              </a:spcAft>
+              <a:buClr>
+                <a:schemeClr val="accent1"/>
+              </a:buClr>
+              <a:buSzPct val="80000"/>
+              <a:buFont typeface="Wingdings 3" charset="2"/>
+              <a:buChar char=""/>
+              <a:defRPr sz="1600" kern="1200">
+                <a:solidFill>
+                  <a:schemeClr val="tx1">
+                    <a:lumMod val="75000"/>
+                    <a:lumOff val="25000"/>
+                  </a:schemeClr>
+                </a:solidFill>
+                <a:latin typeface="+mn-lt"/>
+                <a:ea typeface="+mn-ea"/>
+                <a:cs typeface="+mn-cs"/>
+              </a:defRPr>
+            </a:lvl2pPr>
+            <a:lvl3pPr marL="1143000" indent="-228600" algn="l" defTabSz="457200" rtl="0" eaLnBrk="1" latinLnBrk="0" hangingPunct="1">
+              <a:spcBef>
+                <a:spcPts val="1000"/>
+              </a:spcBef>
+              <a:spcAft>
+                <a:spcPts val="0"/>
+              </a:spcAft>
+              <a:buClr>
+                <a:schemeClr val="accent1"/>
+              </a:buClr>
+              <a:buSzPct val="80000"/>
+              <a:buFont typeface="Wingdings 3" charset="2"/>
+              <a:buChar char=""/>
+              <a:defRPr sz="1400" kern="1200">
+                <a:solidFill>
+                  <a:schemeClr val="tx1">
+                    <a:lumMod val="75000"/>
+                    <a:lumOff val="25000"/>
+                  </a:schemeClr>
+                </a:solidFill>
+                <a:latin typeface="+mn-lt"/>
+                <a:ea typeface="+mn-ea"/>
+                <a:cs typeface="+mn-cs"/>
+              </a:defRPr>
+            </a:lvl3pPr>
+            <a:lvl4pPr marL="1600200" indent="-228600" algn="l" defTabSz="457200" rtl="0" eaLnBrk="1" latinLnBrk="0" hangingPunct="1">
+              <a:spcBef>
+                <a:spcPts val="1000"/>
+              </a:spcBef>
+              <a:spcAft>
+                <a:spcPts val="0"/>
+              </a:spcAft>
+              <a:buClr>
+                <a:schemeClr val="accent1"/>
+              </a:buClr>
+              <a:buSzPct val="80000"/>
+              <a:buFont typeface="Wingdings 3" charset="2"/>
+              <a:buChar char=""/>
+              <a:defRPr sz="1200" kern="1200">
+                <a:solidFill>
+                  <a:schemeClr val="tx1">
+                    <a:lumMod val="75000"/>
+                    <a:lumOff val="25000"/>
+                  </a:schemeClr>
+                </a:solidFill>
+                <a:latin typeface="+mn-lt"/>
+                <a:ea typeface="+mn-ea"/>
+                <a:cs typeface="+mn-cs"/>
+              </a:defRPr>
+            </a:lvl4pPr>
+            <a:lvl5pPr marL="2057400" indent="-228600" algn="l" defTabSz="457200" rtl="0" eaLnBrk="1" latinLnBrk="0" hangingPunct="1">
+              <a:spcBef>
+                <a:spcPts val="1000"/>
+              </a:spcBef>
+              <a:spcAft>
+                <a:spcPts val="0"/>
+              </a:spcAft>
+              <a:buClr>
+                <a:schemeClr val="accent1"/>
+              </a:buClr>
+              <a:buSzPct val="80000"/>
+              <a:buFont typeface="Wingdings 3" charset="2"/>
+              <a:buChar char=""/>
+              <a:defRPr sz="1200" kern="1200">
+                <a:solidFill>
+                  <a:schemeClr val="tx1">
+                    <a:lumMod val="75000"/>
+                    <a:lumOff val="25000"/>
+                  </a:schemeClr>
+                </a:solidFill>
+                <a:latin typeface="+mn-lt"/>
+                <a:ea typeface="+mn-ea"/>
+                <a:cs typeface="+mn-cs"/>
+              </a:defRPr>
+            </a:lvl5pPr>
+            <a:lvl6pPr marL="2514600" indent="-228600" algn="l" defTabSz="457200" rtl="0" eaLnBrk="1" latinLnBrk="0" hangingPunct="1">
+              <a:spcBef>
+                <a:spcPts val="1000"/>
+              </a:spcBef>
+              <a:spcAft>
+                <a:spcPts val="0"/>
+              </a:spcAft>
+              <a:buClr>
+                <a:schemeClr val="accent1"/>
+              </a:buClr>
+              <a:buSzPct val="80000"/>
+              <a:buFont typeface="Wingdings 3" charset="2"/>
+              <a:buChar char=""/>
+              <a:defRPr sz="1200" kern="1200">
+                <a:solidFill>
+                  <a:schemeClr val="tx1">
+                    <a:lumMod val="75000"/>
+                    <a:lumOff val="25000"/>
+                  </a:schemeClr>
+                </a:solidFill>
+                <a:latin typeface="+mn-lt"/>
+                <a:ea typeface="+mn-ea"/>
+                <a:cs typeface="+mn-cs"/>
+              </a:defRPr>
+            </a:lvl6pPr>
+            <a:lvl7pPr marL="2971800" indent="-228600" algn="l" defTabSz="457200" rtl="0" eaLnBrk="1" latinLnBrk="0" hangingPunct="1">
+              <a:spcBef>
+                <a:spcPts val="1000"/>
+              </a:spcBef>
+              <a:spcAft>
+                <a:spcPts val="0"/>
+              </a:spcAft>
+              <a:buClr>
+                <a:schemeClr val="accent1"/>
+              </a:buClr>
+              <a:buSzPct val="80000"/>
+              <a:buFont typeface="Wingdings 3" charset="2"/>
+              <a:buChar char=""/>
+              <a:defRPr sz="1200" kern="1200">
+                <a:solidFill>
+                  <a:schemeClr val="tx1">
+                    <a:lumMod val="75000"/>
+                    <a:lumOff val="25000"/>
+                  </a:schemeClr>
+                </a:solidFill>
+                <a:latin typeface="+mn-lt"/>
+                <a:ea typeface="+mn-ea"/>
+                <a:cs typeface="+mn-cs"/>
+              </a:defRPr>
+            </a:lvl7pPr>
+            <a:lvl8pPr marL="3429000" indent="-228600" algn="l" defTabSz="457200" rtl="0" eaLnBrk="1" latinLnBrk="0" hangingPunct="1">
+              <a:spcBef>
+                <a:spcPts val="1000"/>
+              </a:spcBef>
+              <a:spcAft>
+                <a:spcPts val="0"/>
+              </a:spcAft>
+              <a:buClr>
+                <a:schemeClr val="accent1"/>
+              </a:buClr>
+              <a:buSzPct val="80000"/>
+              <a:buFont typeface="Wingdings 3" charset="2"/>
+              <a:buChar char=""/>
+              <a:defRPr sz="1200" kern="1200">
+                <a:solidFill>
+                  <a:schemeClr val="tx1">
+                    <a:lumMod val="75000"/>
+                    <a:lumOff val="25000"/>
+                  </a:schemeClr>
+                </a:solidFill>
+                <a:latin typeface="+mn-lt"/>
+                <a:ea typeface="+mn-ea"/>
+                <a:cs typeface="+mn-cs"/>
+              </a:defRPr>
+            </a:lvl8pPr>
+            <a:lvl9pPr marL="3886200" indent="-228600" algn="l" defTabSz="457200" rtl="0" eaLnBrk="1" latinLnBrk="0" hangingPunct="1">
+              <a:spcBef>
+                <a:spcPts val="1000"/>
+              </a:spcBef>
+              <a:spcAft>
+                <a:spcPts val="0"/>
+              </a:spcAft>
+              <a:buClr>
+                <a:schemeClr val="accent1"/>
+              </a:buClr>
+              <a:buSzPct val="80000"/>
+              <a:buFont typeface="Wingdings 3" charset="2"/>
+              <a:buChar char=""/>
+              <a:defRPr sz="1200" kern="1200">
+                <a:solidFill>
+                  <a:schemeClr val="tx1">
+                    <a:lumMod val="75000"/>
+                    <a:lumOff val="25000"/>
+                  </a:schemeClr>
+                </a:solidFill>
+                <a:latin typeface="+mn-lt"/>
+                <a:ea typeface="+mn-ea"/>
+                <a:cs typeface="+mn-cs"/>
+              </a:defRPr>
+            </a:lvl9pPr>
+          </a:lstStyle>
+          <a:p>
+            <a:r>
+              <a:rPr lang="en-US" dirty="0" smtClean="0"/>
+              <a:t>Switch</a:t>
+            </a:r>
+            <a:endParaRPr lang="en-US" dirty="0"/>
+          </a:p>
+          <a:p>
+            <a:pPr marL="0" indent="0">
+              <a:buNone/>
+            </a:pPr>
+            <a:r>
+              <a:rPr lang="en-US" dirty="0" smtClean="0"/>
+              <a:t>switch(condition) {</a:t>
+            </a:r>
+          </a:p>
+          <a:p>
+            <a:pPr marL="0" indent="0">
+              <a:buNone/>
+            </a:pPr>
+            <a:r>
+              <a:rPr lang="en-US" dirty="0" smtClean="0"/>
+              <a:t>case ‘value’ :</a:t>
+            </a:r>
+          </a:p>
+          <a:p>
+            <a:pPr marL="0" indent="0">
+              <a:buNone/>
+            </a:pPr>
+            <a:r>
+              <a:rPr lang="en-US" dirty="0" smtClean="0"/>
+              <a:t>result</a:t>
+            </a:r>
+          </a:p>
+          <a:p>
+            <a:pPr marL="0" indent="0">
+              <a:buNone/>
+            </a:pPr>
+            <a:r>
+              <a:rPr lang="en-US" dirty="0" smtClean="0"/>
+              <a:t>break</a:t>
+            </a:r>
+          </a:p>
+          <a:p>
+            <a:pPr marL="0" indent="0">
+              <a:buNone/>
+            </a:pPr>
+            <a:r>
+              <a:rPr lang="en-US" dirty="0" smtClean="0"/>
+              <a:t>case2 ‘value :</a:t>
+            </a:r>
+          </a:p>
+          <a:p>
+            <a:pPr marL="0" indent="0">
+              <a:buNone/>
+            </a:pPr>
+            <a:r>
+              <a:rPr lang="en-US" dirty="0" smtClean="0"/>
+              <a:t>result</a:t>
+            </a:r>
+          </a:p>
+          <a:p>
+            <a:pPr marL="0" indent="0">
+              <a:buNone/>
+            </a:pPr>
+            <a:r>
+              <a:rPr lang="en-US" dirty="0" smtClean="0"/>
+              <a:t>break</a:t>
+            </a:r>
+          </a:p>
+          <a:p>
+            <a:pPr marL="0" indent="0">
+              <a:buNone/>
+            </a:pPr>
+            <a:r>
+              <a:rPr lang="en-US" dirty="0" smtClean="0"/>
+              <a:t>default:</a:t>
+            </a:r>
+          </a:p>
+          <a:p>
+            <a:pPr marL="0" indent="0">
+              <a:buNone/>
+            </a:pPr>
+            <a:r>
+              <a:rPr lang="en-US" dirty="0" smtClean="0"/>
+              <a:t>Result</a:t>
+            </a:r>
+          </a:p>
+          <a:p>
+            <a:pPr marL="0" indent="0">
+              <a:buNone/>
+            </a:pPr>
+            <a:r>
+              <a:rPr lang="en-US" dirty="0"/>
+              <a:t>}</a:t>
+            </a:r>
           </a:p>
         </p:txBody>
       </p:sp>

--- a/Javascript.pptx
+++ b/Javascript.pptx
@@ -7855,21 +7855,47 @@
           <a:p>
             <a:r>
               <a:rPr lang="en-US" dirty="0" smtClean="0"/>
-              <a:t>Block Scope</a:t>
-            </a:r>
-          </a:p>
-          <a:p>
-            <a:r>
-              <a:rPr lang="en-US" dirty="0" smtClean="0"/>
-              <a:t>Function Scope</a:t>
-            </a:r>
-          </a:p>
-          <a:p>
-            <a:r>
-              <a:rPr lang="en-US" smtClean="0"/>
-              <a:t>Global Scope</a:t>
-            </a:r>
-            <a:endParaRPr lang="en-US"/>
+              <a:t>Block Scope ( can be used with the same </a:t>
+            </a:r>
+            <a:r>
+              <a:rPr lang="en-US" dirty="0" err="1" smtClean="0"/>
+              <a:t>var</a:t>
+            </a:r>
+            <a:r>
+              <a:rPr lang="en-US" dirty="0" smtClean="0"/>
+              <a:t> name  in side different function)</a:t>
+            </a:r>
+          </a:p>
+          <a:p>
+            <a:r>
+              <a:rPr lang="en-US" dirty="0" smtClean="0"/>
+              <a:t>Function Scope ( </a:t>
+            </a:r>
+            <a:r>
+              <a:rPr lang="en-US" dirty="0" err="1" smtClean="0"/>
+              <a:t>var</a:t>
+            </a:r>
+            <a:r>
+              <a:rPr lang="en-US" dirty="0" smtClean="0"/>
+              <a:t> declared inside the a function using let , </a:t>
+            </a:r>
+            <a:r>
+              <a:rPr lang="en-US" dirty="0" err="1" smtClean="0"/>
+              <a:t>const</a:t>
+            </a:r>
+            <a:r>
+              <a:rPr lang="en-US" dirty="0" smtClean="0"/>
+              <a:t>)</a:t>
+            </a:r>
+          </a:p>
+          <a:p>
+            <a:r>
+              <a:rPr lang="en-US" dirty="0" smtClean="0"/>
+              <a:t>Global Scope ( its decaled outside the block  and it cannot overwrite the block variable) </a:t>
+            </a:r>
+          </a:p>
+          <a:p>
+            <a:endParaRPr lang="en-US" dirty="0"/>
           </a:p>
         </p:txBody>
       </p:sp>
